--- a/ppt/coins.pptx
+++ b/ppt/coins.pptx
@@ -19,7 +19,8 @@
     <p:sldId id="385" r:id="rId12"/>
     <p:sldId id="391" r:id="rId13"/>
     <p:sldId id="392" r:id="rId14"/>
-    <p:sldId id="354" r:id="rId15"/>
+    <p:sldId id="394" r:id="rId15"/>
+    <p:sldId id="354" r:id="rId16"/>
   </p:sldIdLst>
   <p:sldSz cx="12192000" cy="6858000"/>
   <p:notesSz cx="7103745" cy="10234295"/>
@@ -16488,6 +16489,824 @@
           <a:bodyPr wrap="square" lIns="91440" tIns="45720" rIns="91440" bIns="45720" anchor="t"/>
           <a:lstStyle/>
           <a:p>
+            <a:pPr marL="0" marR="0" lvl="0" indent="0" algn="l" defTabSz="914400" rtl="0" eaLnBrk="1" fontAlgn="auto" latinLnBrk="0" hangingPunct="1">
+              <a:lnSpc>
+                <a:spcPct val="100000"/>
+              </a:lnSpc>
+              <a:spcBef>
+                <a:spcPts val="0"/>
+              </a:spcBef>
+              <a:spcAft>
+                <a:spcPts val="0"/>
+              </a:spcAft>
+              <a:buClrTx/>
+              <a:buSzTx/>
+              <a:buFontTx/>
+              <a:buNone/>
+              <a:defRPr/>
+            </a:pPr>
+            <a:r>
+              <a:rPr lang="ja-JP" altLang="en-US"/>
+              <a:t>发行释放详情栏是根据</a:t>
+            </a:r>
+            <a:r>
+              <a:rPr lang="en-GB" altLang="zh-CN" dirty="0"/>
+              <a:t>https://</a:t>
+            </a:r>
+            <a:r>
+              <a:rPr lang="en-GB" altLang="zh-CN" dirty="0" err="1"/>
+              <a:t>tronscan.org</a:t>
+            </a:r>
+            <a:r>
+              <a:rPr lang="en-GB" altLang="zh-CN" dirty="0"/>
+              <a:t>/#/token/1002000/supply</a:t>
+            </a:r>
+            <a:r>
+              <a:rPr lang="ja-JP" altLang="en-US"/>
+              <a:t>图中每个月的数据做的总结和说明</a:t>
+            </a:r>
+            <a:r>
+              <a:rPr lang="zh-CN" altLang="en-US" dirty="0"/>
+              <a:t>。</a:t>
+            </a:r>
+            <a:endParaRPr lang="en-US" altLang="zh-CN" dirty="0"/>
+          </a:p>
+          <a:p>
+            <a:pPr marL="0" marR="0" lvl="0" indent="0" algn="l" defTabSz="914400" rtl="0" eaLnBrk="1" fontAlgn="auto" latinLnBrk="0" hangingPunct="1">
+              <a:lnSpc>
+                <a:spcPct val="100000"/>
+              </a:lnSpc>
+              <a:spcBef>
+                <a:spcPts val="0"/>
+              </a:spcBef>
+              <a:spcAft>
+                <a:spcPts val="0"/>
+              </a:spcAft>
+              <a:buClrTx/>
+              <a:buSzTx/>
+              <a:buFontTx/>
+              <a:buNone/>
+              <a:defRPr/>
+            </a:pPr>
+            <a:endParaRPr lang="en-US" altLang="zh-CN" dirty="0"/>
+          </a:p>
+          <a:p>
+            <a:pPr marL="0" marR="0" lvl="0" indent="0" algn="l" defTabSz="914400" rtl="0" eaLnBrk="1" fontAlgn="auto" latinLnBrk="0" hangingPunct="1">
+              <a:lnSpc>
+                <a:spcPct val="100000"/>
+              </a:lnSpc>
+              <a:spcBef>
+                <a:spcPts val="0"/>
+              </a:spcBef>
+              <a:spcAft>
+                <a:spcPts val="0"/>
+              </a:spcAft>
+              <a:buClrTx/>
+              <a:buSzTx/>
+              <a:buFontTx/>
+              <a:buNone/>
+              <a:defRPr/>
+            </a:pPr>
+            <a:r>
+              <a:rPr lang="ja-JP" altLang="en-US"/>
+              <a:t>如果考虑这部分文字太多建议将其放到第</a:t>
+            </a:r>
+            <a:r>
+              <a:rPr lang="en-US" altLang="zh-CN" dirty="0"/>
+              <a:t>3</a:t>
+            </a:r>
+            <a:r>
+              <a:rPr lang="ja-JP" altLang="en-US"/>
+              <a:t>页</a:t>
+            </a:r>
+            <a:r>
+              <a:rPr lang="en-US" altLang="ja-JP" dirty="0"/>
+              <a:t>ppt</a:t>
+            </a:r>
+            <a:r>
+              <a:rPr lang="ja-JP" altLang="en-US"/>
+              <a:t>的</a:t>
+            </a:r>
+            <a:r>
+              <a:rPr lang="en-US" altLang="ja-JP" dirty="0"/>
+              <a:t>note</a:t>
+            </a:r>
+            <a:r>
+              <a:rPr lang="ja-JP" altLang="en-US"/>
+              <a:t>中</a:t>
+            </a:r>
+            <a:r>
+              <a:rPr lang="zh-CN" altLang="en-US" dirty="0"/>
+              <a:t>。</a:t>
+            </a:r>
+            <a:endParaRPr lang="en-US" altLang="zh-CN" dirty="0"/>
+          </a:p>
+          <a:p>
+            <a:pPr marL="0" marR="0" lvl="0" indent="0" algn="l" defTabSz="914400" rtl="0" eaLnBrk="1" fontAlgn="auto" latinLnBrk="0" hangingPunct="1">
+              <a:lnSpc>
+                <a:spcPct val="100000"/>
+              </a:lnSpc>
+              <a:spcBef>
+                <a:spcPts val="0"/>
+              </a:spcBef>
+              <a:spcAft>
+                <a:spcPts val="0"/>
+              </a:spcAft>
+              <a:buClrTx/>
+              <a:buSzTx/>
+              <a:buFontTx/>
+              <a:buNone/>
+              <a:defRPr/>
+            </a:pPr>
+            <a:endParaRPr lang="en-US" altLang="zh-CN" dirty="0"/>
+          </a:p>
+          <a:p>
+            <a:r>
+              <a:rPr lang="ja-JP" altLang="en-US" sz="1200" b="0" i="0" u="none" strike="noStrike" kern="1200">
+                <a:solidFill>
+                  <a:schemeClr val="tx1"/>
+                </a:solidFill>
+                <a:effectLst/>
+                <a:latin typeface="+mn-lt"/>
+                <a:ea typeface="+mn-ea"/>
+                <a:cs typeface="+mn-cs"/>
+              </a:rPr>
+              <a:t>种子轮筹资（</a:t>
+            </a:r>
+            <a:r>
+              <a:rPr lang="en-US" altLang="ja-JP" sz="1200" b="0" i="0" u="none" strike="noStrike" kern="1200" dirty="0">
+                <a:solidFill>
+                  <a:schemeClr val="tx1"/>
+                </a:solidFill>
+                <a:effectLst/>
+                <a:latin typeface="+mn-lt"/>
+                <a:ea typeface="+mn-ea"/>
+                <a:cs typeface="+mn-cs"/>
+              </a:rPr>
+              <a:t>9%</a:t>
+            </a:r>
+            <a:r>
+              <a:rPr lang="ja-JP" altLang="en-US" sz="1200" b="0" i="0" u="none" strike="noStrike" kern="1200">
+                <a:solidFill>
+                  <a:schemeClr val="tx1"/>
+                </a:solidFill>
+                <a:effectLst/>
+                <a:latin typeface="+mn-lt"/>
+                <a:ea typeface="+mn-ea"/>
+                <a:cs typeface="+mn-cs"/>
+              </a:rPr>
+              <a:t>）和私募（</a:t>
+            </a:r>
+            <a:r>
+              <a:rPr lang="en-US" altLang="ja-JP" sz="1200" b="0" i="0" u="none" strike="noStrike" kern="1200" dirty="0">
+                <a:solidFill>
+                  <a:schemeClr val="tx1"/>
+                </a:solidFill>
+                <a:effectLst/>
+                <a:latin typeface="+mn-lt"/>
+                <a:ea typeface="+mn-ea"/>
+                <a:cs typeface="+mn-cs"/>
+              </a:rPr>
+              <a:t>2%</a:t>
+            </a:r>
+            <a:r>
+              <a:rPr lang="ja-JP" altLang="en-US" sz="1200" b="0" i="0" u="none" strike="noStrike" kern="1200">
+                <a:solidFill>
+                  <a:schemeClr val="tx1"/>
+                </a:solidFill>
+                <a:effectLst/>
+                <a:latin typeface="+mn-lt"/>
+                <a:ea typeface="+mn-ea"/>
+                <a:cs typeface="+mn-cs"/>
+              </a:rPr>
+              <a:t>）总共占总发行量的</a:t>
+            </a:r>
+            <a:r>
+              <a:rPr lang="en-US" altLang="ja-JP" sz="1200" b="0" i="0" u="none" strike="noStrike" kern="1200" dirty="0">
+                <a:solidFill>
+                  <a:schemeClr val="tx1"/>
+                </a:solidFill>
+                <a:effectLst/>
+                <a:latin typeface="+mn-lt"/>
+                <a:ea typeface="+mn-ea"/>
+                <a:cs typeface="+mn-cs"/>
+              </a:rPr>
+              <a:t>11%</a:t>
+            </a:r>
+            <a:r>
+              <a:rPr lang="ja-JP" altLang="en-US" sz="1200" b="0" i="0" u="none" strike="noStrike" kern="1200">
+                <a:solidFill>
+                  <a:schemeClr val="tx1"/>
+                </a:solidFill>
+                <a:effectLst/>
+                <a:latin typeface="+mn-lt"/>
+                <a:ea typeface="+mn-ea"/>
+                <a:cs typeface="+mn-cs"/>
+              </a:rPr>
+              <a:t>，合</a:t>
+            </a:r>
+            <a:r>
+              <a:rPr lang="en-US" altLang="ja-JP" sz="1200" b="0" i="0" u="none" strike="noStrike" kern="1200" dirty="0">
+                <a:solidFill>
+                  <a:schemeClr val="tx1"/>
+                </a:solidFill>
+                <a:effectLst/>
+                <a:latin typeface="+mn-lt"/>
+                <a:ea typeface="+mn-ea"/>
+                <a:cs typeface="+mn-cs"/>
+              </a:rPr>
+              <a:t>1089</a:t>
+            </a:r>
+            <a:r>
+              <a:rPr lang="ja-JP" altLang="en-US" sz="1200" b="0" i="0" u="none" strike="noStrike" kern="1200">
+                <a:solidFill>
+                  <a:schemeClr val="tx1"/>
+                </a:solidFill>
+                <a:effectLst/>
+                <a:latin typeface="+mn-lt"/>
+                <a:ea typeface="+mn-ea"/>
+                <a:cs typeface="+mn-cs"/>
+              </a:rPr>
+              <a:t>亿</a:t>
+            </a:r>
+            <a:r>
+              <a:rPr lang="en-US" sz="1200" b="0" i="0" u="none" strike="noStrike" kern="1200" dirty="0">
+                <a:solidFill>
+                  <a:schemeClr val="tx1"/>
+                </a:solidFill>
+                <a:effectLst/>
+                <a:latin typeface="+mn-lt"/>
+                <a:ea typeface="+mn-ea"/>
+                <a:cs typeface="+mn-cs"/>
+              </a:rPr>
+              <a:t>BTT。</a:t>
+            </a:r>
+            <a:r>
+              <a:rPr lang="ja-JP" altLang="en-US" sz="1200" b="0" i="0" u="none" strike="noStrike" kern="1200">
+                <a:solidFill>
+                  <a:schemeClr val="tx1"/>
+                </a:solidFill>
+                <a:effectLst/>
+                <a:latin typeface="+mn-lt"/>
+                <a:ea typeface="+mn-ea"/>
+                <a:cs typeface="+mn-cs"/>
+              </a:rPr>
+              <a:t>分</a:t>
+            </a:r>
+            <a:r>
+              <a:rPr lang="en-US" altLang="ja-JP" sz="1200" b="0" i="0" u="none" strike="noStrike" kern="1200" dirty="0">
+                <a:solidFill>
+                  <a:schemeClr val="tx1"/>
+                </a:solidFill>
+                <a:effectLst/>
+                <a:latin typeface="+mn-lt"/>
+                <a:ea typeface="+mn-ea"/>
+                <a:cs typeface="+mn-cs"/>
+              </a:rPr>
+              <a:t>12</a:t>
+            </a:r>
+            <a:r>
+              <a:rPr lang="ja-JP" altLang="en-US" sz="1200" b="0" i="0" u="none" strike="noStrike" kern="1200">
+                <a:solidFill>
+                  <a:schemeClr val="tx1"/>
+                </a:solidFill>
+                <a:effectLst/>
+                <a:latin typeface="+mn-lt"/>
+                <a:ea typeface="+mn-ea"/>
+                <a:cs typeface="+mn-cs"/>
+              </a:rPr>
+              <a:t>月逐月释放完毕</a:t>
+            </a:r>
+            <a:endParaRPr lang="en-US" altLang="ja-JP" sz="1200" b="0" i="0" u="none" strike="noStrike" kern="1200" dirty="0">
+              <a:solidFill>
+                <a:schemeClr val="tx1"/>
+              </a:solidFill>
+              <a:effectLst/>
+              <a:latin typeface="+mn-lt"/>
+              <a:ea typeface="+mn-ea"/>
+              <a:cs typeface="+mn-cs"/>
+            </a:endParaRPr>
+          </a:p>
+          <a:p>
+            <a:endParaRPr lang="en-US" altLang="ja-JP" sz="1200" b="0" i="0" u="none" strike="noStrike" kern="1200" dirty="0">
+              <a:solidFill>
+                <a:schemeClr val="tx1"/>
+              </a:solidFill>
+              <a:effectLst/>
+              <a:latin typeface="+mn-lt"/>
+              <a:ea typeface="+mn-ea"/>
+              <a:cs typeface="+mn-cs"/>
+            </a:endParaRPr>
+          </a:p>
+          <a:p>
+            <a:endParaRPr lang="ja-JP" altLang="en-US" sz="1200" b="0" i="0" u="none" strike="noStrike" kern="1200">
+              <a:solidFill>
+                <a:schemeClr val="tx1"/>
+              </a:solidFill>
+              <a:effectLst/>
+              <a:latin typeface="+mn-lt"/>
+              <a:ea typeface="+mn-ea"/>
+              <a:cs typeface="+mn-cs"/>
+            </a:endParaRPr>
+          </a:p>
+          <a:p>
+            <a:r>
+              <a:rPr lang="ja-JP" altLang="en-US" sz="1200" b="0" i="0" u="none" strike="noStrike" kern="1200">
+                <a:solidFill>
+                  <a:schemeClr val="tx1"/>
+                </a:solidFill>
+                <a:effectLst/>
+                <a:latin typeface="+mn-lt"/>
+                <a:ea typeface="+mn-ea"/>
+                <a:cs typeface="+mn-cs"/>
+              </a:rPr>
+              <a:t>公募（通过</a:t>
+            </a:r>
+            <a:r>
+              <a:rPr lang="en-US" sz="1200" b="0" i="0" u="none" strike="noStrike" kern="1200" dirty="0">
+                <a:solidFill>
+                  <a:schemeClr val="tx1"/>
+                </a:solidFill>
+                <a:effectLst/>
+                <a:latin typeface="+mn-lt"/>
+                <a:ea typeface="+mn-ea"/>
+                <a:cs typeface="+mn-cs"/>
+              </a:rPr>
+              <a:t>IEO</a:t>
+            </a:r>
+            <a:r>
+              <a:rPr lang="ja-JP" altLang="en-US" sz="1200" b="0" i="0" u="none" strike="noStrike" kern="1200">
+                <a:solidFill>
+                  <a:schemeClr val="tx1"/>
+                </a:solidFill>
+                <a:effectLst/>
+                <a:latin typeface="+mn-lt"/>
+                <a:ea typeface="+mn-ea"/>
+                <a:cs typeface="+mn-cs"/>
+              </a:rPr>
+              <a:t>完成）占总发行量</a:t>
+            </a:r>
+            <a:r>
+              <a:rPr lang="en-US" altLang="ja-JP" sz="1200" b="0" i="0" u="none" strike="noStrike" kern="1200" dirty="0">
+                <a:solidFill>
+                  <a:schemeClr val="tx1"/>
+                </a:solidFill>
+                <a:effectLst/>
+                <a:latin typeface="+mn-lt"/>
+                <a:ea typeface="+mn-ea"/>
+                <a:cs typeface="+mn-cs"/>
+              </a:rPr>
+              <a:t>6%</a:t>
+            </a:r>
+            <a:r>
+              <a:rPr lang="ja-JP" altLang="en-US" sz="1200" b="0" i="0" u="none" strike="noStrike" kern="1200">
+                <a:solidFill>
+                  <a:schemeClr val="tx1"/>
+                </a:solidFill>
+                <a:effectLst/>
+                <a:latin typeface="+mn-lt"/>
+                <a:ea typeface="+mn-ea"/>
+                <a:cs typeface="+mn-cs"/>
+              </a:rPr>
+              <a:t>为</a:t>
+            </a:r>
+            <a:r>
+              <a:rPr lang="en-US" altLang="ja-JP" sz="1200" b="0" i="0" u="none" strike="noStrike" kern="1200" dirty="0">
+                <a:solidFill>
+                  <a:schemeClr val="tx1"/>
+                </a:solidFill>
+                <a:effectLst/>
+                <a:latin typeface="+mn-lt"/>
+                <a:ea typeface="+mn-ea"/>
+                <a:cs typeface="+mn-cs"/>
+              </a:rPr>
+              <a:t>594</a:t>
+            </a:r>
+            <a:r>
+              <a:rPr lang="ja-JP" altLang="en-US" sz="1200" b="0" i="0" u="none" strike="noStrike" kern="1200">
+                <a:solidFill>
+                  <a:schemeClr val="tx1"/>
+                </a:solidFill>
+                <a:effectLst/>
+                <a:latin typeface="+mn-lt"/>
+                <a:ea typeface="+mn-ea"/>
+                <a:cs typeface="+mn-cs"/>
+              </a:rPr>
+              <a:t>亿</a:t>
+            </a:r>
+            <a:r>
+              <a:rPr lang="en-US" sz="1200" b="0" i="0" u="none" strike="noStrike" kern="1200" dirty="0">
+                <a:solidFill>
+                  <a:schemeClr val="tx1"/>
+                </a:solidFill>
+                <a:effectLst/>
+                <a:latin typeface="+mn-lt"/>
+                <a:ea typeface="+mn-ea"/>
+                <a:cs typeface="+mn-cs"/>
+              </a:rPr>
+              <a:t>BTT，</a:t>
+            </a:r>
+            <a:r>
+              <a:rPr lang="ja-JP" altLang="en-US" sz="1200" b="0" i="0" u="none" strike="noStrike" kern="1200">
+                <a:solidFill>
+                  <a:schemeClr val="tx1"/>
+                </a:solidFill>
+                <a:effectLst/>
+                <a:latin typeface="+mn-lt"/>
+                <a:ea typeface="+mn-ea"/>
+                <a:cs typeface="+mn-cs"/>
+              </a:rPr>
+              <a:t>公募价格为</a:t>
+            </a:r>
+            <a:r>
+              <a:rPr lang="en-US" altLang="ja-JP" sz="1200" b="0" i="0" u="none" strike="noStrike" kern="1200" dirty="0">
+                <a:solidFill>
+                  <a:schemeClr val="tx1"/>
+                </a:solidFill>
+                <a:effectLst/>
+                <a:latin typeface="+mn-lt"/>
+                <a:ea typeface="+mn-ea"/>
+                <a:cs typeface="+mn-cs"/>
+              </a:rPr>
+              <a:t>0.00012</a:t>
+            </a:r>
+            <a:r>
+              <a:rPr lang="en-US" sz="1200" b="0" i="0" u="none" strike="noStrike" kern="1200" dirty="0">
+                <a:solidFill>
+                  <a:schemeClr val="tx1"/>
+                </a:solidFill>
+                <a:effectLst/>
+                <a:latin typeface="+mn-lt"/>
+                <a:ea typeface="+mn-ea"/>
+                <a:cs typeface="+mn-cs"/>
+              </a:rPr>
+              <a:t>USD，</a:t>
+            </a:r>
+            <a:r>
+              <a:rPr lang="ja-JP" altLang="en-US" sz="1200" b="0" i="0" u="none" strike="noStrike" kern="1200">
+                <a:solidFill>
+                  <a:schemeClr val="tx1"/>
+                </a:solidFill>
+                <a:effectLst/>
+                <a:latin typeface="+mn-lt"/>
+                <a:ea typeface="+mn-ea"/>
+                <a:cs typeface="+mn-cs"/>
+              </a:rPr>
+              <a:t>其中</a:t>
+            </a:r>
+            <a:r>
+              <a:rPr lang="en-US" altLang="ja-JP" sz="1200" b="0" i="0" u="none" strike="noStrike" kern="1200" dirty="0">
+                <a:solidFill>
+                  <a:schemeClr val="tx1"/>
+                </a:solidFill>
+                <a:effectLst/>
+                <a:latin typeface="+mn-lt"/>
+                <a:ea typeface="+mn-ea"/>
+                <a:cs typeface="+mn-cs"/>
+              </a:rPr>
+              <a:t>40%</a:t>
+            </a:r>
+            <a:r>
+              <a:rPr lang="ja-JP" altLang="en-US" sz="1200" b="0" i="0" u="none" strike="noStrike" kern="1200">
+                <a:solidFill>
+                  <a:schemeClr val="tx1"/>
+                </a:solidFill>
+                <a:effectLst/>
+                <a:latin typeface="+mn-lt"/>
+                <a:ea typeface="+mn-ea"/>
+                <a:cs typeface="+mn-cs"/>
+              </a:rPr>
+              <a:t>通过接收</a:t>
+            </a:r>
+            <a:r>
+              <a:rPr lang="en-US" sz="1200" b="0" i="0" u="none" strike="noStrike" kern="1200" dirty="0">
+                <a:solidFill>
+                  <a:schemeClr val="tx1"/>
+                </a:solidFill>
+                <a:effectLst/>
+                <a:latin typeface="+mn-lt"/>
+                <a:ea typeface="+mn-ea"/>
+                <a:cs typeface="+mn-cs"/>
+              </a:rPr>
+              <a:t>BNB</a:t>
+            </a:r>
+            <a:r>
+              <a:rPr lang="ja-JP" altLang="en-US" sz="1200" b="0" i="0" u="none" strike="noStrike" kern="1200">
+                <a:solidFill>
+                  <a:schemeClr val="tx1"/>
+                </a:solidFill>
+                <a:effectLst/>
+                <a:latin typeface="+mn-lt"/>
+                <a:ea typeface="+mn-ea"/>
+                <a:cs typeface="+mn-cs"/>
+              </a:rPr>
+              <a:t>销售，</a:t>
+            </a:r>
+            <a:r>
+              <a:rPr lang="en-US" altLang="ja-JP" sz="1200" b="0" i="0" u="none" strike="noStrike" kern="1200" dirty="0">
+                <a:solidFill>
+                  <a:schemeClr val="tx1"/>
+                </a:solidFill>
+                <a:effectLst/>
+                <a:latin typeface="+mn-lt"/>
+                <a:ea typeface="+mn-ea"/>
+                <a:cs typeface="+mn-cs"/>
+              </a:rPr>
+              <a:t>60%</a:t>
+            </a:r>
+            <a:r>
+              <a:rPr lang="ja-JP" altLang="en-US" sz="1200" b="0" i="0" u="none" strike="noStrike" kern="1200">
+                <a:solidFill>
+                  <a:schemeClr val="tx1"/>
+                </a:solidFill>
+                <a:effectLst/>
+                <a:latin typeface="+mn-lt"/>
+                <a:ea typeface="+mn-ea"/>
+                <a:cs typeface="+mn-cs"/>
+              </a:rPr>
+              <a:t>他通过接收</a:t>
+            </a:r>
+            <a:r>
+              <a:rPr lang="en-US" sz="1200" b="0" i="0" u="none" strike="noStrike" kern="1200" dirty="0">
+                <a:solidFill>
+                  <a:schemeClr val="tx1"/>
+                </a:solidFill>
+                <a:effectLst/>
+                <a:latin typeface="+mn-lt"/>
+                <a:ea typeface="+mn-ea"/>
+                <a:cs typeface="+mn-cs"/>
+              </a:rPr>
+              <a:t>TRX</a:t>
+            </a:r>
+            <a:r>
+              <a:rPr lang="ja-JP" altLang="en-US" sz="1200" b="0" i="0" u="none" strike="noStrike" kern="1200">
+                <a:solidFill>
+                  <a:schemeClr val="tx1"/>
+                </a:solidFill>
+                <a:effectLst/>
+                <a:latin typeface="+mn-lt"/>
+                <a:ea typeface="+mn-ea"/>
+                <a:cs typeface="+mn-cs"/>
+              </a:rPr>
+              <a:t>销售。该部分没有任何限制，购买后即可转账流通。</a:t>
+            </a:r>
+            <a:r>
+              <a:rPr lang="en-US" sz="1200" b="0" i="0" u="none" strike="noStrike" kern="1200" dirty="0">
+                <a:solidFill>
+                  <a:schemeClr val="tx1"/>
+                </a:solidFill>
+                <a:effectLst/>
+                <a:latin typeface="+mn-lt"/>
+                <a:ea typeface="+mn-ea"/>
+                <a:cs typeface="+mn-cs"/>
+              </a:rPr>
+              <a:t>BTT</a:t>
+            </a:r>
+            <a:r>
+              <a:rPr lang="ja-JP" altLang="en-US" sz="1200" b="0" i="0" u="none" strike="noStrike" kern="1200">
+                <a:solidFill>
+                  <a:schemeClr val="tx1"/>
+                </a:solidFill>
+                <a:effectLst/>
+                <a:latin typeface="+mn-lt"/>
+                <a:ea typeface="+mn-ea"/>
+                <a:cs typeface="+mn-cs"/>
+              </a:rPr>
+              <a:t>公募时间</a:t>
+            </a:r>
+            <a:r>
+              <a:rPr lang="en-US" altLang="ja-JP" sz="1200" b="0" i="0" u="none" strike="noStrike" kern="1200" dirty="0">
+                <a:solidFill>
+                  <a:schemeClr val="tx1"/>
+                </a:solidFill>
+                <a:effectLst/>
+                <a:latin typeface="+mn-lt"/>
+                <a:ea typeface="+mn-ea"/>
+                <a:cs typeface="+mn-cs"/>
+              </a:rPr>
+              <a:t>2019-01-28</a:t>
+            </a:r>
+            <a:r>
+              <a:rPr lang="ja-JP" altLang="en-US" sz="1200" b="0" i="0" u="none" strike="noStrike" kern="1200">
+                <a:solidFill>
+                  <a:schemeClr val="tx1"/>
+                </a:solidFill>
+                <a:effectLst/>
+                <a:latin typeface="+mn-lt"/>
+                <a:ea typeface="+mn-ea"/>
+                <a:cs typeface="+mn-cs"/>
+              </a:rPr>
+              <a:t>。具体公募细节参考</a:t>
+            </a:r>
+            <a:r>
+              <a:rPr lang="en-US" sz="1200" b="0" i="0" u="none" strike="noStrike" kern="1200" dirty="0">
+                <a:solidFill>
+                  <a:schemeClr val="tx1"/>
+                </a:solidFill>
+                <a:effectLst/>
+                <a:latin typeface="+mn-lt"/>
+                <a:ea typeface="+mn-ea"/>
+                <a:cs typeface="+mn-cs"/>
+                <a:hlinkClick r:id="rId3"/>
+              </a:rPr>
+              <a:t>https://launchpad.binance.com/en/project/b59f6326d9964e19bcc8e356d0becacb</a:t>
+            </a:r>
+            <a:endParaRPr lang="en-US" sz="1200" b="0" i="0" u="none" strike="noStrike" kern="1200" dirty="0">
+              <a:solidFill>
+                <a:schemeClr val="tx1"/>
+              </a:solidFill>
+              <a:effectLst/>
+              <a:latin typeface="+mn-lt"/>
+              <a:ea typeface="+mn-ea"/>
+              <a:cs typeface="+mn-cs"/>
+            </a:endParaRPr>
+          </a:p>
+          <a:p>
+            <a:pPr marL="0" marR="0" lvl="0" indent="0" algn="l" defTabSz="914400" rtl="0" eaLnBrk="1" fontAlgn="auto" latinLnBrk="0" hangingPunct="1">
+              <a:lnSpc>
+                <a:spcPct val="100000"/>
+              </a:lnSpc>
+              <a:spcBef>
+                <a:spcPts val="0"/>
+              </a:spcBef>
+              <a:spcAft>
+                <a:spcPts val="0"/>
+              </a:spcAft>
+              <a:buClrTx/>
+              <a:buSzTx/>
+              <a:buFontTx/>
+              <a:buNone/>
+              <a:defRPr/>
+            </a:pPr>
+            <a:endParaRPr lang="en-GB" altLang="zh-CN" dirty="0"/>
+          </a:p>
+          <a:p>
+            <a:pPr marL="0" marR="0" lvl="0" indent="0" algn="l" defTabSz="914400" rtl="0" eaLnBrk="1" fontAlgn="auto" latinLnBrk="0" hangingPunct="1">
+              <a:lnSpc>
+                <a:spcPct val="100000"/>
+              </a:lnSpc>
+              <a:spcBef>
+                <a:spcPts val="0"/>
+              </a:spcBef>
+              <a:spcAft>
+                <a:spcPts val="0"/>
+              </a:spcAft>
+              <a:buClrTx/>
+              <a:buSzTx/>
+              <a:buFontTx/>
+              <a:buNone/>
+              <a:defRPr/>
+            </a:pPr>
+            <a:r>
+              <a:rPr lang="en-US" altLang="ja-JP" dirty="0"/>
+              <a:t>TRON</a:t>
+            </a:r>
+            <a:r>
+              <a:rPr lang="ja-JP" altLang="en-US"/>
+              <a:t>空投具体方案参考</a:t>
+            </a:r>
+            <a:r>
+              <a:rPr lang="en-US" dirty="0">
+                <a:hlinkClick r:id="rId4"/>
+              </a:rPr>
+              <a:t>https://dapplife.com/bittorrent-confirms-dates-of-btt-token-airdrops-for-tron-trx-holders-1065</a:t>
+            </a:r>
+            <a:endParaRPr lang="en-GB" altLang="zh-CN" dirty="0"/>
+          </a:p>
+          <a:p>
+            <a:pPr marL="0" marR="0" lvl="0" indent="0" algn="l" defTabSz="914400" rtl="0" eaLnBrk="1" fontAlgn="auto" latinLnBrk="0" hangingPunct="1">
+              <a:lnSpc>
+                <a:spcPct val="100000"/>
+              </a:lnSpc>
+              <a:spcBef>
+                <a:spcPts val="0"/>
+              </a:spcBef>
+              <a:spcAft>
+                <a:spcPts val="0"/>
+              </a:spcAft>
+              <a:buClrTx/>
+              <a:buSzTx/>
+              <a:buFontTx/>
+              <a:buNone/>
+              <a:defRPr/>
+            </a:pPr>
+            <a:endParaRPr lang="en-GB" altLang="zh-CN" dirty="0"/>
+          </a:p>
+        </p:txBody>
+      </p:sp>
+      <p:sp>
+        <p:nvSpPr>
+          <p:cNvPr id="86020" name="Slide Number Placeholder 3"/>
+          <p:cNvSpPr txBox="1">
+            <a:spLocks noGrp="1"/>
+          </p:cNvSpPr>
+          <p:nvPr>
+            <p:ph type="sldNum" sz="quarter"/>
+          </p:nvPr>
+        </p:nvSpPr>
+        <p:spPr>
+          <a:xfrm>
+            <a:off x="3884613" y="8685213"/>
+            <a:ext cx="2971800" cy="457200"/>
+          </a:xfrm>
+          <a:prstGeom prst="rect">
+            <a:avLst/>
+          </a:prstGeom>
+          <a:noFill/>
+          <a:ln w="9525">
+            <a:noFill/>
+          </a:ln>
+        </p:spPr>
+        <p:txBody>
+          <a:bodyPr anchor="b"/>
+          <a:lstStyle/>
+          <a:p>
+            <a:pPr lvl="0" algn="r" eaLnBrk="1" hangingPunct="1">
+              <a:spcBef>
+                <a:spcPct val="0"/>
+              </a:spcBef>
+            </a:pPr>
+            <a:fld id="{9A0DB2DC-4C9A-4742-B13C-FB6460FD3503}" type="slidenum">
+              <a:rPr lang="en-US" altLang="zh-CN" dirty="0">
+                <a:ea typeface="SimSun" pitchFamily="2" charset="-122"/>
+              </a:rPr>
+            </a:fld>
+            <a:endParaRPr lang="en-US" altLang="zh-CN" dirty="0">
+              <a:ea typeface="SimSun" pitchFamily="2" charset="-122"/>
+            </a:endParaRPr>
+          </a:p>
+        </p:txBody>
+      </p:sp>
+    </p:spTree>
+  </p:cSld>
+  <p:clrMapOvr>
+    <a:masterClrMapping/>
+  </p:clrMapOvr>
+</p:notes>
+</file>
+
+<file path=ppt/notesSlides/notesSlide13.xml><?xml version="1.0" encoding="utf-8"?>
+<p:notes xmlns:a="http://schemas.openxmlformats.org/drawingml/2006/main" xmlns:r="http://schemas.openxmlformats.org/officeDocument/2006/relationships" xmlns:p="http://schemas.openxmlformats.org/presentationml/2006/main">
+  <p:cSld>
+    <p:spTree>
+      <p:nvGrpSpPr>
+        <p:cNvPr id="1" name=""/>
+        <p:cNvGrpSpPr/>
+        <p:nvPr/>
+      </p:nvGrpSpPr>
+      <p:grpSpPr>
+        <a:xfrm>
+          <a:off x="0" y="0"/>
+          <a:ext cx="0" cy="0"/>
+          <a:chOff x="0" y="0"/>
+          <a:chExt cx="0" cy="0"/>
+        </a:xfrm>
+      </p:grpSpPr>
+      <p:sp>
+        <p:nvSpPr>
+          <p:cNvPr id="86018" name="Slide Image Placeholder 1"/>
+          <p:cNvSpPr>
+            <a:spLocks noGrp="1" noRot="1" noChangeAspect="1" noTextEdit="1"/>
+          </p:cNvSpPr>
+          <p:nvPr>
+            <p:ph type="sldImg"/>
+          </p:nvPr>
+        </p:nvSpPr>
+        <p:spPr>
+          <a:xfrm>
+            <a:off x="481013" y="1279525"/>
+            <a:ext cx="6140450" cy="3454400"/>
+          </a:xfrm>
+          <a:ln>
+            <a:solidFill>
+              <a:srgbClr val="000000">
+                <a:alpha val="100000"/>
+              </a:srgbClr>
+            </a:solidFill>
+            <a:miter lim="800000"/>
+          </a:ln>
+        </p:spPr>
+      </p:sp>
+      <p:sp>
+        <p:nvSpPr>
+          <p:cNvPr id="86019" name="Notes Placeholder 2"/>
+          <p:cNvSpPr>
+            <a:spLocks noGrp="1"/>
+          </p:cNvSpPr>
+          <p:nvPr>
+            <p:ph type="body" idx="1"/>
+          </p:nvPr>
+        </p:nvSpPr>
+        <p:spPr>
+          <a:noFill/>
+          <a:ln>
+            <a:noFill/>
+          </a:ln>
+        </p:spPr>
+        <p:txBody>
+          <a:bodyPr wrap="square" lIns="91440" tIns="45720" rIns="91440" bIns="45720" anchor="t"/>
+          <a:lstStyle/>
+          <a:p>
             <a:pPr lvl="0" eaLnBrk="1" hangingPunct="1">
               <a:spcBef>
                 <a:spcPct val="0"/>
@@ -26248,6 +27067,1858 @@
 </file>
 
 <file path=ppt/slides/slide12.xml><?xml version="1.0" encoding="utf-8"?>
+<p:sld xmlns:a="http://schemas.openxmlformats.org/drawingml/2006/main" xmlns:r="http://schemas.openxmlformats.org/officeDocument/2006/relationships" xmlns:p="http://schemas.openxmlformats.org/presentationml/2006/main">
+  <p:cSld>
+    <p:spTree>
+      <p:nvGrpSpPr>
+        <p:cNvPr id="1" name=""/>
+        <p:cNvGrpSpPr/>
+        <p:nvPr/>
+      </p:nvGrpSpPr>
+      <p:grpSpPr>
+        <a:xfrm>
+          <a:off x="0" y="0"/>
+          <a:ext cx="0" cy="0"/>
+          <a:chOff x="0" y="0"/>
+          <a:chExt cx="0" cy="0"/>
+        </a:xfrm>
+      </p:grpSpPr>
+      <p:sp>
+        <p:nvSpPr>
+          <p:cNvPr id="9" name="Rectangle 8"/>
+          <p:cNvSpPr/>
+          <p:nvPr/>
+        </p:nvSpPr>
+        <p:spPr>
+          <a:xfrm>
+            <a:off x="0" y="0"/>
+            <a:ext cx="12192000" cy="889000"/>
+          </a:xfrm>
+          <a:prstGeom prst="rect">
+            <a:avLst/>
+          </a:prstGeom>
+          <a:ln>
+            <a:noFill/>
+          </a:ln>
+        </p:spPr>
+        <p:style>
+          <a:lnRef idx="1">
+            <a:schemeClr val="accent1"/>
+          </a:lnRef>
+          <a:fillRef idx="3">
+            <a:schemeClr val="accent1"/>
+          </a:fillRef>
+          <a:effectRef idx="2">
+            <a:schemeClr val="accent1"/>
+          </a:effectRef>
+          <a:fontRef idx="minor">
+            <a:schemeClr val="lt1"/>
+          </a:fontRef>
+        </p:style>
+        <p:txBody>
+          <a:bodyPr anchor="ctr"/>
+          <a:lstStyle/>
+          <a:p>
+            <a:pPr marL="285750" lvl="0" fontAlgn="base">
+              <a:spcBef>
+                <a:spcPct val="0"/>
+              </a:spcBef>
+              <a:spcAft>
+                <a:spcPct val="0"/>
+              </a:spcAft>
+              <a:defRPr/>
+            </a:pPr>
+            <a:r>
+              <a:rPr lang="en-US" altLang="zh-CN" sz="3735" dirty="0">
+                <a:sym typeface="+mn-ea"/>
+              </a:rPr>
+              <a:t>6. BTT</a:t>
+            </a:r>
+            <a:r>
+              <a:rPr lang="ja-JP" altLang="en-US" sz="3735"/>
+              <a:t>释放详情说明</a:t>
+            </a:r>
+            <a:endParaRPr kumimoji="0" lang="en-US" altLang="zh-CN" sz="3735" b="0" i="0" u="none" strike="noStrike" kern="1200" cap="none" spc="0" normalizeH="0" baseline="0" noProof="0" dirty="0">
+              <a:ln>
+                <a:noFill/>
+              </a:ln>
+              <a:solidFill>
+                <a:schemeClr val="lt1"/>
+              </a:solidFill>
+              <a:effectLst/>
+              <a:uLnTx/>
+              <a:uFillTx/>
+              <a:latin typeface="+mn-lt"/>
+              <a:ea typeface="+mn-ea"/>
+              <a:cs typeface="+mn-cs"/>
+            </a:endParaRPr>
+          </a:p>
+        </p:txBody>
+      </p:sp>
+      <p:sp>
+        <p:nvSpPr>
+          <p:cNvPr id="39940" name="AutoShape 2" descr="Micropayment Channel Example"/>
+          <p:cNvSpPr>
+            <a:spLocks noChangeAspect="1"/>
+          </p:cNvSpPr>
+          <p:nvPr/>
+        </p:nvSpPr>
+        <p:spPr>
+          <a:xfrm>
+            <a:off x="207433" y="-192616"/>
+            <a:ext cx="406400" cy="406400"/>
+          </a:xfrm>
+          <a:prstGeom prst="rect">
+            <a:avLst/>
+          </a:prstGeom>
+          <a:noFill/>
+          <a:ln w="9525">
+            <a:noFill/>
+          </a:ln>
+        </p:spPr>
+        <p:txBody>
+          <a:bodyPr/>
+          <a:lstStyle>
+            <a:lvl1pPr marL="342900" indent="-342900" algn="l" rtl="0" eaLnBrk="0" fontAlgn="base" hangingPunct="0">
+              <a:spcBef>
+                <a:spcPct val="20000"/>
+              </a:spcBef>
+              <a:spcAft>
+                <a:spcPct val="0"/>
+              </a:spcAft>
+              <a:buFont typeface="Arial" panose="020B0604020202090204" pitchFamily="34" charset="0"/>
+              <a:buChar char="•"/>
+              <a:defRPr sz="2400" kern="1200">
+                <a:solidFill>
+                  <a:schemeClr val="tx1"/>
+                </a:solidFill>
+                <a:latin typeface="+mn-lt"/>
+                <a:ea typeface="+mn-ea"/>
+                <a:cs typeface="+mn-cs"/>
+              </a:defRPr>
+            </a:lvl1pPr>
+            <a:lvl2pPr marL="742950" indent="-285750" algn="l" rtl="0" eaLnBrk="0" fontAlgn="base" hangingPunct="0">
+              <a:spcBef>
+                <a:spcPct val="20000"/>
+              </a:spcBef>
+              <a:spcAft>
+                <a:spcPct val="0"/>
+              </a:spcAft>
+              <a:buFont typeface="Arial" panose="020B0604020202090204" pitchFamily="34" charset="0"/>
+              <a:buChar char="–"/>
+              <a:defRPr sz="2400" kern="1200">
+                <a:solidFill>
+                  <a:schemeClr val="tx1"/>
+                </a:solidFill>
+                <a:latin typeface="+mn-lt"/>
+                <a:ea typeface="+mn-ea"/>
+                <a:cs typeface="+mn-cs"/>
+              </a:defRPr>
+            </a:lvl2pPr>
+            <a:lvl3pPr marL="1143000" indent="-228600" algn="l" rtl="0" eaLnBrk="0" fontAlgn="base" hangingPunct="0">
+              <a:spcBef>
+                <a:spcPct val="20000"/>
+              </a:spcBef>
+              <a:spcAft>
+                <a:spcPct val="0"/>
+              </a:spcAft>
+              <a:buFont typeface="Arial" panose="020B0604020202090204" pitchFamily="34" charset="0"/>
+              <a:buChar char="•"/>
+              <a:defRPr sz="2400" kern="1200">
+                <a:solidFill>
+                  <a:schemeClr val="tx1"/>
+                </a:solidFill>
+                <a:latin typeface="+mn-lt"/>
+                <a:ea typeface="+mn-ea"/>
+                <a:cs typeface="+mn-cs"/>
+              </a:defRPr>
+            </a:lvl3pPr>
+            <a:lvl4pPr marL="1600200" indent="-228600" algn="l" rtl="0" eaLnBrk="0" fontAlgn="base" hangingPunct="0">
+              <a:spcBef>
+                <a:spcPct val="20000"/>
+              </a:spcBef>
+              <a:spcAft>
+                <a:spcPct val="0"/>
+              </a:spcAft>
+              <a:buFont typeface="Arial" panose="020B0604020202090204" pitchFamily="34" charset="0"/>
+              <a:buChar char="–"/>
+              <a:defRPr sz="2000" kern="1200">
+                <a:solidFill>
+                  <a:schemeClr val="tx1"/>
+                </a:solidFill>
+                <a:latin typeface="+mn-lt"/>
+                <a:ea typeface="+mn-ea"/>
+                <a:cs typeface="+mn-cs"/>
+              </a:defRPr>
+            </a:lvl4pPr>
+            <a:lvl5pPr marL="2057400" indent="-228600" algn="l" rtl="0" eaLnBrk="0" fontAlgn="base" hangingPunct="0">
+              <a:spcBef>
+                <a:spcPct val="20000"/>
+              </a:spcBef>
+              <a:spcAft>
+                <a:spcPct val="0"/>
+              </a:spcAft>
+              <a:buFont typeface="Arial" panose="020B0604020202090204" pitchFamily="34" charset="0"/>
+              <a:buChar char="»"/>
+              <a:defRPr sz="2000" kern="1200">
+                <a:solidFill>
+                  <a:schemeClr val="tx1"/>
+                </a:solidFill>
+                <a:latin typeface="+mn-lt"/>
+                <a:ea typeface="+mn-ea"/>
+                <a:cs typeface="+mn-cs"/>
+              </a:defRPr>
+            </a:lvl5pPr>
+          </a:lstStyle>
+          <a:p>
+            <a:pPr marL="0" lvl="0" indent="0" eaLnBrk="1" hangingPunct="1">
+              <a:spcBef>
+                <a:spcPct val="0"/>
+              </a:spcBef>
+              <a:buNone/>
+            </a:pPr>
+            <a:endParaRPr lang="zh-CN" altLang="en-US" dirty="0">
+              <a:latin typeface="Arial" panose="020B0604020202090204" pitchFamily="34" charset="0"/>
+              <a:ea typeface="SimSun" pitchFamily="2" charset="-122"/>
+            </a:endParaRPr>
+          </a:p>
+        </p:txBody>
+      </p:sp>
+      <p:sp>
+        <p:nvSpPr>
+          <p:cNvPr id="39941" name="AutoShape 4" descr="Micropayment Channel Example"/>
+          <p:cNvSpPr>
+            <a:spLocks noChangeAspect="1"/>
+          </p:cNvSpPr>
+          <p:nvPr/>
+        </p:nvSpPr>
+        <p:spPr>
+          <a:xfrm>
+            <a:off x="410633" y="10584"/>
+            <a:ext cx="406400" cy="406400"/>
+          </a:xfrm>
+          <a:prstGeom prst="rect">
+            <a:avLst/>
+          </a:prstGeom>
+          <a:noFill/>
+          <a:ln w="9525">
+            <a:noFill/>
+          </a:ln>
+        </p:spPr>
+        <p:txBody>
+          <a:bodyPr/>
+          <a:lstStyle>
+            <a:lvl1pPr marL="342900" indent="-342900" algn="l" rtl="0" eaLnBrk="0" fontAlgn="base" hangingPunct="0">
+              <a:spcBef>
+                <a:spcPct val="20000"/>
+              </a:spcBef>
+              <a:spcAft>
+                <a:spcPct val="0"/>
+              </a:spcAft>
+              <a:buFont typeface="Arial" panose="020B0604020202090204" pitchFamily="34" charset="0"/>
+              <a:buChar char="•"/>
+              <a:defRPr sz="2400" kern="1200">
+                <a:solidFill>
+                  <a:schemeClr val="tx1"/>
+                </a:solidFill>
+                <a:latin typeface="+mn-lt"/>
+                <a:ea typeface="+mn-ea"/>
+                <a:cs typeface="+mn-cs"/>
+              </a:defRPr>
+            </a:lvl1pPr>
+            <a:lvl2pPr marL="742950" indent="-285750" algn="l" rtl="0" eaLnBrk="0" fontAlgn="base" hangingPunct="0">
+              <a:spcBef>
+                <a:spcPct val="20000"/>
+              </a:spcBef>
+              <a:spcAft>
+                <a:spcPct val="0"/>
+              </a:spcAft>
+              <a:buFont typeface="Arial" panose="020B0604020202090204" pitchFamily="34" charset="0"/>
+              <a:buChar char="–"/>
+              <a:defRPr sz="2400" kern="1200">
+                <a:solidFill>
+                  <a:schemeClr val="tx1"/>
+                </a:solidFill>
+                <a:latin typeface="+mn-lt"/>
+                <a:ea typeface="+mn-ea"/>
+                <a:cs typeface="+mn-cs"/>
+              </a:defRPr>
+            </a:lvl2pPr>
+            <a:lvl3pPr marL="1143000" indent="-228600" algn="l" rtl="0" eaLnBrk="0" fontAlgn="base" hangingPunct="0">
+              <a:spcBef>
+                <a:spcPct val="20000"/>
+              </a:spcBef>
+              <a:spcAft>
+                <a:spcPct val="0"/>
+              </a:spcAft>
+              <a:buFont typeface="Arial" panose="020B0604020202090204" pitchFamily="34" charset="0"/>
+              <a:buChar char="•"/>
+              <a:defRPr sz="2400" kern="1200">
+                <a:solidFill>
+                  <a:schemeClr val="tx1"/>
+                </a:solidFill>
+                <a:latin typeface="+mn-lt"/>
+                <a:ea typeface="+mn-ea"/>
+                <a:cs typeface="+mn-cs"/>
+              </a:defRPr>
+            </a:lvl3pPr>
+            <a:lvl4pPr marL="1600200" indent="-228600" algn="l" rtl="0" eaLnBrk="0" fontAlgn="base" hangingPunct="0">
+              <a:spcBef>
+                <a:spcPct val="20000"/>
+              </a:spcBef>
+              <a:spcAft>
+                <a:spcPct val="0"/>
+              </a:spcAft>
+              <a:buFont typeface="Arial" panose="020B0604020202090204" pitchFamily="34" charset="0"/>
+              <a:buChar char="–"/>
+              <a:defRPr sz="2000" kern="1200">
+                <a:solidFill>
+                  <a:schemeClr val="tx1"/>
+                </a:solidFill>
+                <a:latin typeface="+mn-lt"/>
+                <a:ea typeface="+mn-ea"/>
+                <a:cs typeface="+mn-cs"/>
+              </a:defRPr>
+            </a:lvl4pPr>
+            <a:lvl5pPr marL="2057400" indent="-228600" algn="l" rtl="0" eaLnBrk="0" fontAlgn="base" hangingPunct="0">
+              <a:spcBef>
+                <a:spcPct val="20000"/>
+              </a:spcBef>
+              <a:spcAft>
+                <a:spcPct val="0"/>
+              </a:spcAft>
+              <a:buFont typeface="Arial" panose="020B0604020202090204" pitchFamily="34" charset="0"/>
+              <a:buChar char="»"/>
+              <a:defRPr sz="2000" kern="1200">
+                <a:solidFill>
+                  <a:schemeClr val="tx1"/>
+                </a:solidFill>
+                <a:latin typeface="+mn-lt"/>
+                <a:ea typeface="+mn-ea"/>
+                <a:cs typeface="+mn-cs"/>
+              </a:defRPr>
+            </a:lvl5pPr>
+          </a:lstStyle>
+          <a:p>
+            <a:pPr marL="0" lvl="0" indent="0" eaLnBrk="1" hangingPunct="1">
+              <a:spcBef>
+                <a:spcPct val="0"/>
+              </a:spcBef>
+              <a:buNone/>
+            </a:pPr>
+            <a:endParaRPr lang="zh-CN" altLang="en-US" dirty="0">
+              <a:latin typeface="Arial" panose="020B0604020202090204" pitchFamily="34" charset="0"/>
+              <a:ea typeface="SimSun" pitchFamily="2" charset="-122"/>
+            </a:endParaRPr>
+          </a:p>
+        </p:txBody>
+      </p:sp>
+      <p:graphicFrame>
+        <p:nvGraphicFramePr>
+          <p:cNvPr id="2" name="Table 1"/>
+          <p:cNvGraphicFramePr>
+            <a:graphicFrameLocks noGrp="1"/>
+          </p:cNvGraphicFramePr>
+          <p:nvPr/>
+        </p:nvGraphicFramePr>
+        <p:xfrm>
+          <a:off x="410633" y="1081616"/>
+          <a:ext cx="11332876" cy="5397563"/>
+        </p:xfrm>
+        <a:graphic>
+          <a:graphicData uri="http://schemas.openxmlformats.org/drawingml/2006/table">
+            <a:tbl>
+              <a:tblPr>
+                <a:tableStyleId>{5C22544A-7EE6-4342-B048-85BDC9FD1C3A}</a:tableStyleId>
+              </a:tblPr>
+              <a:tblGrid>
+                <a:gridCol w="2642381"/>
+                <a:gridCol w="1937745"/>
+                <a:gridCol w="6752750"/>
+              </a:tblGrid>
+              <a:tr h="480151">
+                <a:tc>
+                  <a:txBody>
+                    <a:bodyPr/>
+                    <a:lstStyle/>
+                    <a:p>
+                      <a:pPr algn="ctr" fontAlgn="ctr"/>
+                      <a:r>
+                        <a:rPr lang="ja-JP" altLang="en-US" sz="2200" u="none" strike="noStrike">
+                          <a:effectLst/>
+                        </a:rPr>
+                        <a:t>类型</a:t>
+                      </a:r>
+                      <a:endParaRPr lang="ja-JP" altLang="en-US" sz="2200" b="0" i="0" u="none" strike="noStrike">
+                        <a:solidFill>
+                          <a:srgbClr val="000000"/>
+                        </a:solidFill>
+                        <a:effectLst/>
+                        <a:latin typeface="Calibri" charset="0"/>
+                      </a:endParaRPr>
+                    </a:p>
+                  </a:txBody>
+                  <a:tcPr marL="9525" marR="9525" marT="9525" marB="0" anchor="ctr"/>
+                </a:tc>
+                <a:tc>
+                  <a:txBody>
+                    <a:bodyPr/>
+                    <a:lstStyle/>
+                    <a:p>
+                      <a:pPr algn="ctr" fontAlgn="ctr"/>
+                      <a:r>
+                        <a:rPr lang="ja-JP" altLang="en-US" sz="2200" u="none" strike="noStrike">
+                          <a:effectLst/>
+                        </a:rPr>
+                        <a:t>占比</a:t>
+                      </a:r>
+                      <a:endParaRPr lang="ja-JP" altLang="en-US" sz="2200" b="0" i="0" u="none" strike="noStrike">
+                        <a:solidFill>
+                          <a:srgbClr val="000000"/>
+                        </a:solidFill>
+                        <a:effectLst/>
+                        <a:latin typeface="Calibri" charset="0"/>
+                      </a:endParaRPr>
+                    </a:p>
+                  </a:txBody>
+                  <a:tcPr marL="9525" marR="9525" marT="9525" marB="0" anchor="ctr"/>
+                </a:tc>
+                <a:tc>
+                  <a:txBody>
+                    <a:bodyPr/>
+                    <a:lstStyle/>
+                    <a:p>
+                      <a:pPr algn="ctr" fontAlgn="ctr"/>
+                      <a:r>
+                        <a:rPr lang="ja-JP" altLang="en-US" sz="2200" u="none" strike="noStrike">
+                          <a:effectLst/>
+                        </a:rPr>
+                        <a:t>发行及释放详情</a:t>
+                      </a:r>
+                      <a:endParaRPr lang="ja-JP" altLang="en-US" sz="2200" b="0" i="0" u="none" strike="noStrike">
+                        <a:solidFill>
+                          <a:srgbClr val="000000"/>
+                        </a:solidFill>
+                        <a:effectLst/>
+                        <a:latin typeface="Calibri" charset="0"/>
+                      </a:endParaRPr>
+                    </a:p>
+                  </a:txBody>
+                  <a:tcPr marL="9525" marR="9525" marT="9525" marB="0" anchor="ctr"/>
+                </a:tc>
+              </a:tr>
+              <a:tr h="463595">
+                <a:tc>
+                  <a:txBody>
+                    <a:bodyPr/>
+                    <a:lstStyle/>
+                    <a:p>
+                      <a:pPr algn="l" fontAlgn="ctr"/>
+                      <a:r>
+                        <a:rPr lang="ja-JP" altLang="en-US" sz="1600" u="none" strike="noStrike">
+                          <a:effectLst/>
+                        </a:rPr>
+                        <a:t>私募</a:t>
+                      </a:r>
+                      <a:endParaRPr lang="ja-JP" altLang="en-US" sz="1600" b="0" i="0" u="none" strike="noStrike">
+                        <a:solidFill>
+                          <a:srgbClr val="555555"/>
+                        </a:solidFill>
+                        <a:effectLst/>
+                        <a:latin typeface="Microsoft YaHei" panose="020B0503020204020204" pitchFamily="34" charset="-122"/>
+                        <a:ea typeface="Microsoft YaHei" panose="020B0503020204020204" pitchFamily="34" charset="-122"/>
+                      </a:endParaRPr>
+                    </a:p>
+                  </a:txBody>
+                  <a:tcPr marL="9525" marR="9525" marT="9525" marB="0" anchor="ctr"/>
+                </a:tc>
+                <a:tc>
+                  <a:txBody>
+                    <a:bodyPr/>
+                    <a:lstStyle/>
+                    <a:p>
+                      <a:pPr algn="l" fontAlgn="ctr"/>
+                      <a:r>
+                        <a:rPr lang="en-US" sz="1600" u="none" strike="noStrike">
+                          <a:effectLst/>
+                        </a:rPr>
+                        <a:t>2%</a:t>
+                      </a:r>
+                      <a:endParaRPr lang="en-US" sz="1600" b="0" i="0" u="none" strike="noStrike">
+                        <a:solidFill>
+                          <a:srgbClr val="555555"/>
+                        </a:solidFill>
+                        <a:effectLst/>
+                        <a:latin typeface="Microsoft YaHei" panose="020B0503020204020204" pitchFamily="34" charset="-122"/>
+                        <a:ea typeface="Microsoft YaHei" panose="020B0503020204020204" pitchFamily="34" charset="-122"/>
+                      </a:endParaRPr>
+                    </a:p>
+                  </a:txBody>
+                  <a:tcPr marL="9525" marR="9525" marT="9525" marB="0" anchor="ctr"/>
+                </a:tc>
+                <a:tc rowSpan="2">
+                  <a:txBody>
+                    <a:bodyPr/>
+                    <a:lstStyle/>
+                    <a:p>
+                      <a:pPr algn="l" fontAlgn="ctr"/>
+                      <a:r>
+                        <a:rPr lang="en-US" altLang="ja-JP" sz="1600" u="none" strike="noStrike" dirty="0">
+                          <a:effectLst/>
+                        </a:rPr>
+                        <a:t>2018</a:t>
+                      </a:r>
+                      <a:r>
+                        <a:rPr lang="ja-JP" altLang="en-US" sz="1600" u="none" strike="noStrike">
+                          <a:effectLst/>
+                        </a:rPr>
+                        <a:t>年</a:t>
+                      </a:r>
+                      <a:r>
+                        <a:rPr lang="en-US" altLang="ja-JP" sz="1600" u="none" strike="noStrike" dirty="0">
+                          <a:effectLst/>
+                        </a:rPr>
+                        <a:t>11</a:t>
+                      </a:r>
+                      <a:r>
+                        <a:rPr lang="ja-JP" altLang="en-US" sz="1600" u="none" strike="noStrike">
+                          <a:effectLst/>
+                        </a:rPr>
+                        <a:t>月</a:t>
+                      </a:r>
+                      <a:r>
+                        <a:rPr lang="en-US" altLang="ja-JP" sz="1600" u="none" strike="noStrike" dirty="0">
+                          <a:effectLst/>
+                        </a:rPr>
+                        <a:t>1</a:t>
+                      </a:r>
+                      <a:r>
+                        <a:rPr lang="ja-JP" altLang="en-US" sz="1600" u="none" strike="noStrike">
+                          <a:effectLst/>
+                        </a:rPr>
+                        <a:t>日结束，单价</a:t>
+                      </a:r>
+                      <a:r>
+                        <a:rPr lang="en-US" altLang="ja-JP" sz="1600" u="none" strike="noStrike" dirty="0">
+                          <a:effectLst/>
+                        </a:rPr>
+                        <a:t>: $0.00017741046</a:t>
+                      </a:r>
+                      <a:r>
+                        <a:rPr lang="ja-JP" altLang="en-US" sz="1600" u="none" strike="noStrike">
+                          <a:effectLst/>
+                        </a:rPr>
+                        <a:t>， 募集目标</a:t>
+                      </a:r>
+                      <a:r>
+                        <a:rPr lang="en-US" altLang="ja-JP" sz="1600" u="none" strike="noStrike" dirty="0">
+                          <a:effectLst/>
+                        </a:rPr>
+                        <a:t>$19,320,000</a:t>
+                      </a:r>
+                      <a:r>
+                        <a:rPr lang="ja-JP" altLang="en-US" sz="1600" u="none" strike="noStrike">
+                          <a:effectLst/>
+                        </a:rPr>
+                        <a:t>约</a:t>
+                      </a:r>
+                      <a:r>
+                        <a:rPr lang="en-US" altLang="ja-JP" sz="1600" u="none" strike="noStrike" dirty="0">
+                          <a:effectLst/>
+                        </a:rPr>
+                        <a:t>966,000,000</a:t>
+                      </a:r>
+                      <a:r>
+                        <a:rPr lang="en-US" sz="1600" u="none" strike="noStrike" dirty="0">
+                          <a:effectLst/>
+                        </a:rPr>
+                        <a:t>TRX。2019</a:t>
+                      </a:r>
+                      <a:r>
+                        <a:rPr lang="ja-JP" altLang="en-US" sz="1600" u="none" strike="noStrike">
+                          <a:effectLst/>
+                        </a:rPr>
+                        <a:t>年</a:t>
+                      </a:r>
+                      <a:r>
+                        <a:rPr lang="en-US" altLang="ja-JP" sz="1600" u="none" strike="noStrike" dirty="0">
+                          <a:effectLst/>
+                        </a:rPr>
+                        <a:t>1</a:t>
+                      </a:r>
+                      <a:r>
+                        <a:rPr lang="ja-JP" altLang="en-US" sz="1600" u="none" strike="noStrike">
+                          <a:effectLst/>
+                        </a:rPr>
+                        <a:t>月开始，分</a:t>
+                      </a:r>
+                      <a:r>
+                        <a:rPr lang="en-US" altLang="ja-JP" sz="1600" u="none" strike="noStrike" dirty="0">
+                          <a:effectLst/>
+                        </a:rPr>
+                        <a:t>12</a:t>
+                      </a:r>
+                      <a:r>
+                        <a:rPr lang="ja-JP" altLang="en-US" sz="1600" u="none" strike="noStrike">
+                          <a:effectLst/>
+                        </a:rPr>
+                        <a:t>个月平均释放完毕，持续</a:t>
+                      </a:r>
+                      <a:r>
+                        <a:rPr lang="en-US" altLang="ja-JP" sz="1600" u="none" strike="noStrike" dirty="0">
+                          <a:effectLst/>
+                        </a:rPr>
+                        <a:t>1</a:t>
+                      </a:r>
+                      <a:r>
+                        <a:rPr lang="ja-JP" altLang="en-US" sz="1600" u="none" strike="noStrike">
+                          <a:effectLst/>
+                        </a:rPr>
+                        <a:t>年至</a:t>
+                      </a:r>
+                      <a:r>
+                        <a:rPr lang="en-US" altLang="ja-JP" sz="1600" u="none" strike="noStrike" dirty="0">
+                          <a:effectLst/>
+                        </a:rPr>
+                        <a:t>2019</a:t>
+                      </a:r>
+                      <a:r>
+                        <a:rPr lang="ja-JP" altLang="en-US" sz="1600" u="none" strike="noStrike">
+                          <a:effectLst/>
+                        </a:rPr>
+                        <a:t>年</a:t>
+                      </a:r>
+                      <a:r>
+                        <a:rPr lang="en-US" altLang="ja-JP" sz="1600" u="none" strike="noStrike" dirty="0">
+                          <a:effectLst/>
+                        </a:rPr>
+                        <a:t>12</a:t>
+                      </a:r>
+                      <a:r>
+                        <a:rPr lang="ja-JP" altLang="en-US" sz="1600" u="none" strike="noStrike">
+                          <a:effectLst/>
+                        </a:rPr>
+                        <a:t>月</a:t>
+                      </a:r>
+                      <a:endParaRPr lang="ja-JP" altLang="en-US" sz="1600" b="0" i="0" u="none" strike="noStrike">
+                        <a:solidFill>
+                          <a:srgbClr val="000000"/>
+                        </a:solidFill>
+                        <a:effectLst/>
+                        <a:latin typeface="Calibri" charset="0"/>
+                      </a:endParaRPr>
+                    </a:p>
+                  </a:txBody>
+                  <a:tcPr marL="9525" marR="9525" marT="9525" marB="0" anchor="ctr"/>
+                </a:tc>
+              </a:tr>
+              <a:tr h="447037">
+                <a:tc>
+                  <a:txBody>
+                    <a:bodyPr/>
+                    <a:lstStyle/>
+                    <a:p>
+                      <a:pPr algn="l" fontAlgn="ctr"/>
+                      <a:r>
+                        <a:rPr lang="ja-JP" altLang="en-US" sz="1600" u="none" strike="noStrike">
+                          <a:effectLst/>
+                        </a:rPr>
+                        <a:t>种子轮筹资</a:t>
+                      </a:r>
+                      <a:endParaRPr lang="ja-JP" altLang="en-US" sz="1600" b="0" i="0" u="none" strike="noStrike">
+                        <a:solidFill>
+                          <a:srgbClr val="555555"/>
+                        </a:solidFill>
+                        <a:effectLst/>
+                        <a:latin typeface="Microsoft YaHei" panose="020B0503020204020204" pitchFamily="34" charset="-122"/>
+                        <a:ea typeface="Microsoft YaHei" panose="020B0503020204020204" pitchFamily="34" charset="-122"/>
+                      </a:endParaRPr>
+                    </a:p>
+                  </a:txBody>
+                  <a:tcPr marL="9525" marR="9525" marT="9525" marB="0" anchor="ctr"/>
+                </a:tc>
+                <a:tc>
+                  <a:txBody>
+                    <a:bodyPr/>
+                    <a:lstStyle/>
+                    <a:p>
+                      <a:pPr algn="l" fontAlgn="ctr"/>
+                      <a:r>
+                        <a:rPr lang="en-US" sz="1600" u="none" strike="noStrike">
+                          <a:effectLst/>
+                        </a:rPr>
+                        <a:t>9%</a:t>
+                      </a:r>
+                      <a:endParaRPr lang="en-US" sz="1600" b="0" i="0" u="none" strike="noStrike">
+                        <a:solidFill>
+                          <a:srgbClr val="555555"/>
+                        </a:solidFill>
+                        <a:effectLst/>
+                        <a:latin typeface="Microsoft YaHei" panose="020B0503020204020204" pitchFamily="34" charset="-122"/>
+                        <a:ea typeface="Microsoft YaHei" panose="020B0503020204020204" pitchFamily="34" charset="-122"/>
+                      </a:endParaRPr>
+                    </a:p>
+                  </a:txBody>
+                  <a:tcPr marL="9525" marR="9525" marT="9525" marB="0" anchor="ctr"/>
+                </a:tc>
+                <a:tc vMerge="1">
+                  <a:tcPr/>
+                </a:tc>
+              </a:tr>
+              <a:tr h="629164">
+                <a:tc>
+                  <a:txBody>
+                    <a:bodyPr/>
+                    <a:lstStyle/>
+                    <a:p>
+                      <a:pPr algn="l" fontAlgn="ctr"/>
+                      <a:r>
+                        <a:rPr lang="ja-JP" altLang="en-US" sz="1600" u="none" strike="noStrike">
+                          <a:effectLst/>
+                        </a:rPr>
+                        <a:t>公募</a:t>
+                      </a:r>
+                      <a:endParaRPr lang="ja-JP" altLang="en-US" sz="1600" b="0" i="0" u="none" strike="noStrike">
+                        <a:solidFill>
+                          <a:srgbClr val="555555"/>
+                        </a:solidFill>
+                        <a:effectLst/>
+                        <a:latin typeface="Microsoft YaHei" panose="020B0503020204020204" pitchFamily="34" charset="-122"/>
+                        <a:ea typeface="Microsoft YaHei" panose="020B0503020204020204" pitchFamily="34" charset="-122"/>
+                      </a:endParaRPr>
+                    </a:p>
+                  </a:txBody>
+                  <a:tcPr marL="9525" marR="9525" marT="9525" marB="0" anchor="ctr"/>
+                </a:tc>
+                <a:tc>
+                  <a:txBody>
+                    <a:bodyPr/>
+                    <a:lstStyle/>
+                    <a:p>
+                      <a:pPr algn="l" fontAlgn="ctr"/>
+                      <a:r>
+                        <a:rPr lang="en-US" sz="1600" u="none" strike="noStrike">
+                          <a:effectLst/>
+                        </a:rPr>
+                        <a:t>6%</a:t>
+                      </a:r>
+                      <a:endParaRPr lang="en-US" sz="1600" b="0" i="0" u="none" strike="noStrike">
+                        <a:solidFill>
+                          <a:srgbClr val="555555"/>
+                        </a:solidFill>
+                        <a:effectLst/>
+                        <a:latin typeface="Microsoft YaHei" panose="020B0503020204020204" pitchFamily="34" charset="-122"/>
+                        <a:ea typeface="Microsoft YaHei" panose="020B0503020204020204" pitchFamily="34" charset="-122"/>
+                      </a:endParaRPr>
+                    </a:p>
+                  </a:txBody>
+                  <a:tcPr marL="9525" marR="9525" marT="9525" marB="0" anchor="ctr"/>
+                </a:tc>
+                <a:tc>
+                  <a:txBody>
+                    <a:bodyPr/>
+                    <a:lstStyle/>
+                    <a:p>
+                      <a:pPr algn="l" fontAlgn="ctr"/>
+                      <a:r>
+                        <a:rPr lang="en-US" altLang="ja-JP" sz="1600" u="none" strike="noStrike" dirty="0">
+                          <a:effectLst/>
+                        </a:rPr>
+                        <a:t>2019</a:t>
+                      </a:r>
+                      <a:r>
+                        <a:rPr lang="ja-JP" altLang="en-US" sz="1600" u="none" strike="noStrike">
+                          <a:effectLst/>
+                        </a:rPr>
+                        <a:t>年</a:t>
+                      </a:r>
+                      <a:r>
+                        <a:rPr lang="en-US" altLang="ja-JP" sz="1600" u="none" strike="noStrike" dirty="0">
+                          <a:effectLst/>
+                        </a:rPr>
+                        <a:t>1</a:t>
+                      </a:r>
+                      <a:r>
+                        <a:rPr lang="ja-JP" altLang="en-US" sz="1600" u="none" strike="noStrike">
+                          <a:effectLst/>
+                        </a:rPr>
+                        <a:t>月</a:t>
+                      </a:r>
+                      <a:r>
+                        <a:rPr lang="en-US" altLang="ja-JP" sz="1600" u="none" strike="noStrike" dirty="0">
+                          <a:effectLst/>
+                        </a:rPr>
+                        <a:t>28</a:t>
+                      </a:r>
+                      <a:r>
+                        <a:rPr lang="ja-JP" altLang="en-US" sz="1600" u="none" strike="noStrike">
+                          <a:effectLst/>
+                        </a:rPr>
+                        <a:t>日通过币安</a:t>
+                      </a:r>
+                      <a:r>
+                        <a:rPr lang="en-US" sz="1600" u="none" strike="noStrike" dirty="0">
+                          <a:effectLst/>
+                        </a:rPr>
+                        <a:t>IEO</a:t>
+                      </a:r>
+                      <a:r>
+                        <a:rPr lang="ja-JP" altLang="en-US" sz="1600" u="none" strike="noStrike">
+                          <a:effectLst/>
+                        </a:rPr>
+                        <a:t>进行销售所有公募配额即总发行量的</a:t>
+                      </a:r>
+                      <a:r>
+                        <a:rPr lang="en-US" altLang="ja-JP" sz="1600" u="none" strike="noStrike" dirty="0">
+                          <a:effectLst/>
+                        </a:rPr>
+                        <a:t>6%</a:t>
+                      </a:r>
+                      <a:r>
+                        <a:rPr lang="ja-JP" altLang="en-US" sz="1600" u="none" strike="noStrike">
+                          <a:effectLst/>
+                        </a:rPr>
+                        <a:t>。单价</a:t>
+                      </a:r>
+                      <a:r>
+                        <a:rPr lang="en-US" altLang="ja-JP" sz="1600" u="none" strike="noStrike" dirty="0">
+                          <a:effectLst/>
+                        </a:rPr>
+                        <a:t>: $0.00012</a:t>
+                      </a:r>
+                      <a:r>
+                        <a:rPr lang="ja-JP" altLang="en-US" sz="1600" u="none" strike="noStrike">
+                          <a:effectLst/>
+                        </a:rPr>
+                        <a:t>，募集目标</a:t>
+                      </a:r>
+                      <a:r>
+                        <a:rPr lang="en-US" altLang="ja-JP" sz="1600" u="none" strike="noStrike" dirty="0">
+                          <a:effectLst/>
+                        </a:rPr>
+                        <a:t>: $7,200,000</a:t>
+                      </a:r>
+                      <a:r>
+                        <a:rPr lang="ja-JP" altLang="en-US" sz="1600" u="none" strike="noStrike">
+                          <a:effectLst/>
+                        </a:rPr>
+                        <a:t>。该部分没有任何限制，购买后即可转账流通。</a:t>
+                      </a:r>
+                      <a:endParaRPr lang="ja-JP" altLang="en-US" sz="1600" b="0" i="0" u="none" strike="noStrike">
+                        <a:solidFill>
+                          <a:srgbClr val="000000"/>
+                        </a:solidFill>
+                        <a:effectLst/>
+                        <a:latin typeface="Calibri" charset="0"/>
+                      </a:endParaRPr>
+                    </a:p>
+                  </a:txBody>
+                  <a:tcPr marL="9525" marR="9525" marT="9525" marB="0" anchor="ctr"/>
+                </a:tc>
+              </a:tr>
+              <a:tr h="562936">
+                <a:tc>
+                  <a:txBody>
+                    <a:bodyPr/>
+                    <a:lstStyle/>
+                    <a:p>
+                      <a:pPr algn="l" fontAlgn="ctr"/>
+                      <a:r>
+                        <a:rPr lang="en-US" sz="1600" u="none" strike="noStrike">
+                          <a:effectLst/>
+                        </a:rPr>
+                        <a:t>Tron</a:t>
+                      </a:r>
+                      <a:r>
+                        <a:rPr lang="ja-JP" altLang="en-US" sz="1600" u="none" strike="noStrike">
+                          <a:effectLst/>
+                        </a:rPr>
+                        <a:t>基金会</a:t>
+                      </a:r>
+                      <a:endParaRPr lang="ja-JP" altLang="en-US" sz="1600" b="0" i="0" u="none" strike="noStrike">
+                        <a:solidFill>
+                          <a:srgbClr val="555555"/>
+                        </a:solidFill>
+                        <a:effectLst/>
+                        <a:latin typeface="Microsoft YaHei" panose="020B0503020204020204" pitchFamily="34" charset="-122"/>
+                        <a:ea typeface="Microsoft YaHei" panose="020B0503020204020204" pitchFamily="34" charset="-122"/>
+                      </a:endParaRPr>
+                    </a:p>
+                  </a:txBody>
+                  <a:tcPr marL="9525" marR="9525" marT="9525" marB="0" anchor="ctr"/>
+                </a:tc>
+                <a:tc>
+                  <a:txBody>
+                    <a:bodyPr/>
+                    <a:lstStyle/>
+                    <a:p>
+                      <a:pPr algn="l" fontAlgn="ctr"/>
+                      <a:r>
+                        <a:rPr lang="en-US" sz="1600" u="none" strike="noStrike">
+                          <a:effectLst/>
+                        </a:rPr>
+                        <a:t>20%</a:t>
+                      </a:r>
+                      <a:endParaRPr lang="en-US" sz="1600" b="0" i="0" u="none" strike="noStrike">
+                        <a:solidFill>
+                          <a:srgbClr val="555555"/>
+                        </a:solidFill>
+                        <a:effectLst/>
+                        <a:latin typeface="Microsoft YaHei" panose="020B0503020204020204" pitchFamily="34" charset="-122"/>
+                        <a:ea typeface="Microsoft YaHei" panose="020B0503020204020204" pitchFamily="34" charset="-122"/>
+                      </a:endParaRPr>
+                    </a:p>
+                  </a:txBody>
+                  <a:tcPr marL="9525" marR="9525" marT="9525" marB="0" anchor="ctr"/>
+                </a:tc>
+                <a:tc>
+                  <a:txBody>
+                    <a:bodyPr/>
+                    <a:lstStyle/>
+                    <a:p>
+                      <a:pPr algn="l" fontAlgn="ctr"/>
+                      <a:r>
+                        <a:rPr lang="en-US" altLang="ja-JP" sz="1600" u="none" strike="noStrike" dirty="0">
+                          <a:effectLst/>
+                        </a:rPr>
+                        <a:t>2019</a:t>
+                      </a:r>
+                      <a:r>
+                        <a:rPr lang="ja-JP" altLang="en-US" sz="1600" u="none" strike="noStrike">
+                          <a:effectLst/>
+                        </a:rPr>
+                        <a:t>年</a:t>
+                      </a:r>
+                      <a:r>
+                        <a:rPr lang="en-US" altLang="ja-JP" sz="1600" u="none" strike="noStrike" dirty="0">
+                          <a:effectLst/>
+                        </a:rPr>
+                        <a:t>1</a:t>
+                      </a:r>
+                      <a:r>
+                        <a:rPr lang="ja-JP" altLang="en-US" sz="1600" u="none" strike="noStrike">
+                          <a:effectLst/>
+                        </a:rPr>
+                        <a:t>月释放总发行量的</a:t>
+                      </a:r>
+                      <a:r>
+                        <a:rPr lang="en-US" altLang="ja-JP" sz="1600" u="none" strike="noStrike" dirty="0">
+                          <a:effectLst/>
+                        </a:rPr>
+                        <a:t>0.56%</a:t>
+                      </a:r>
+                      <a:r>
+                        <a:rPr lang="ja-JP" altLang="en-US" sz="1600" u="none" strike="noStrike">
+                          <a:effectLst/>
+                        </a:rPr>
+                        <a:t>，之后每月释放发行总量的</a:t>
+                      </a:r>
+                      <a:r>
+                        <a:rPr lang="en-US" altLang="ja-JP" sz="1600" u="none" strike="noStrike" dirty="0">
+                          <a:effectLst/>
+                        </a:rPr>
+                        <a:t>0.56%</a:t>
+                      </a:r>
+                      <a:r>
+                        <a:rPr lang="ja-JP" altLang="en-US" sz="1600" u="none" strike="noStrike">
+                          <a:effectLst/>
+                        </a:rPr>
+                        <a:t>，持续</a:t>
+                      </a:r>
+                      <a:r>
+                        <a:rPr lang="en-US" altLang="ja-JP" sz="1600" u="none" strike="noStrike" dirty="0">
+                          <a:effectLst/>
+                        </a:rPr>
+                        <a:t>3</a:t>
+                      </a:r>
+                      <a:r>
+                        <a:rPr lang="ja-JP" altLang="en-US" sz="1600" u="none" strike="noStrike">
+                          <a:effectLst/>
+                        </a:rPr>
+                        <a:t>年至</a:t>
+                      </a:r>
+                      <a:r>
+                        <a:rPr lang="en-US" altLang="ja-JP" sz="1600" u="none" strike="noStrike" dirty="0">
+                          <a:effectLst/>
+                        </a:rPr>
+                        <a:t>2021</a:t>
+                      </a:r>
+                      <a:r>
+                        <a:rPr lang="ja-JP" altLang="en-US" sz="1600" u="none" strike="noStrike">
+                          <a:effectLst/>
+                        </a:rPr>
+                        <a:t>年</a:t>
+                      </a:r>
+                      <a:r>
+                        <a:rPr lang="en-US" altLang="ja-JP" sz="1600" u="none" strike="noStrike" dirty="0">
+                          <a:effectLst/>
+                        </a:rPr>
+                        <a:t>21</a:t>
+                      </a:r>
+                      <a:r>
+                        <a:rPr lang="ja-JP" altLang="en-US" sz="1600" u="none" strike="noStrike">
+                          <a:effectLst/>
+                        </a:rPr>
+                        <a:t>月</a:t>
+                      </a:r>
+                      <a:endParaRPr lang="ja-JP" altLang="en-US" sz="1600" b="0" i="0" u="none" strike="noStrike">
+                        <a:solidFill>
+                          <a:srgbClr val="000000"/>
+                        </a:solidFill>
+                        <a:effectLst/>
+                        <a:latin typeface="Calibri" charset="0"/>
+                      </a:endParaRPr>
+                    </a:p>
+                  </a:txBody>
+                  <a:tcPr marL="9525" marR="9525" marT="9525" marB="0" anchor="ctr"/>
+                </a:tc>
+              </a:tr>
+              <a:tr h="562936">
+                <a:tc>
+                  <a:txBody>
+                    <a:bodyPr/>
+                    <a:lstStyle/>
+                    <a:p>
+                      <a:pPr algn="l" fontAlgn="ctr"/>
+                      <a:r>
+                        <a:rPr lang="en-US" sz="1600" u="none" strike="noStrike">
+                          <a:effectLst/>
+                        </a:rPr>
+                        <a:t>Tron</a:t>
+                      </a:r>
+                      <a:r>
+                        <a:rPr lang="ja-JP" altLang="en-US" sz="1600" u="none" strike="noStrike">
+                          <a:effectLst/>
+                        </a:rPr>
+                        <a:t>空投</a:t>
+                      </a:r>
+                      <a:endParaRPr lang="ja-JP" altLang="en-US" sz="1600" b="0" i="0" u="none" strike="noStrike">
+                        <a:solidFill>
+                          <a:srgbClr val="555555"/>
+                        </a:solidFill>
+                        <a:effectLst/>
+                        <a:latin typeface="Microsoft YaHei" panose="020B0503020204020204" pitchFamily="34" charset="-122"/>
+                        <a:ea typeface="Microsoft YaHei" panose="020B0503020204020204" pitchFamily="34" charset="-122"/>
+                      </a:endParaRPr>
+                    </a:p>
+                  </a:txBody>
+                  <a:tcPr marL="9525" marR="9525" marT="9525" marB="0" anchor="ctr"/>
+                </a:tc>
+                <a:tc>
+                  <a:txBody>
+                    <a:bodyPr/>
+                    <a:lstStyle/>
+                    <a:p>
+                      <a:pPr algn="l" fontAlgn="ctr"/>
+                      <a:r>
+                        <a:rPr lang="en-US" sz="1600" u="none" strike="noStrike">
+                          <a:effectLst/>
+                        </a:rPr>
+                        <a:t>10.1%</a:t>
+                      </a:r>
+                      <a:endParaRPr lang="en-US" sz="1600" b="0" i="0" u="none" strike="noStrike">
+                        <a:solidFill>
+                          <a:srgbClr val="555555"/>
+                        </a:solidFill>
+                        <a:effectLst/>
+                        <a:latin typeface="Microsoft YaHei" panose="020B0503020204020204" pitchFamily="34" charset="-122"/>
+                        <a:ea typeface="Microsoft YaHei" panose="020B0503020204020204" pitchFamily="34" charset="-122"/>
+                      </a:endParaRPr>
+                    </a:p>
+                  </a:txBody>
+                  <a:tcPr marL="9525" marR="9525" marT="9525" marB="0" anchor="ctr"/>
+                </a:tc>
+                <a:tc>
+                  <a:txBody>
+                    <a:bodyPr/>
+                    <a:lstStyle/>
+                    <a:p>
+                      <a:pPr algn="l" fontAlgn="ctr"/>
+                      <a:r>
+                        <a:rPr lang="en-US" altLang="ja-JP" sz="1600" u="none" strike="noStrike" dirty="0">
+                          <a:effectLst/>
+                        </a:rPr>
+                        <a:t>2019</a:t>
+                      </a:r>
+                      <a:r>
+                        <a:rPr lang="ja-JP" altLang="en-US" sz="1600" u="none" strike="noStrike">
+                          <a:effectLst/>
+                        </a:rPr>
+                        <a:t>年</a:t>
+                      </a:r>
+                      <a:r>
+                        <a:rPr lang="en-US" altLang="ja-JP" sz="1600" u="none" strike="noStrike" dirty="0">
+                          <a:effectLst/>
+                        </a:rPr>
+                        <a:t>1</a:t>
+                      </a:r>
+                      <a:r>
+                        <a:rPr lang="ja-JP" altLang="en-US" sz="1600" u="none" strike="noStrike">
+                          <a:effectLst/>
+                        </a:rPr>
+                        <a:t>月空投总发行量的</a:t>
+                      </a:r>
+                      <a:r>
+                        <a:rPr lang="en-US" altLang="ja-JP" sz="1600" u="none" strike="noStrike" dirty="0">
+                          <a:effectLst/>
+                        </a:rPr>
+                        <a:t>0.3%</a:t>
+                      </a:r>
+                      <a:r>
+                        <a:rPr lang="ja-JP" altLang="en-US" sz="1600" u="none" strike="noStrike">
+                          <a:effectLst/>
+                        </a:rPr>
+                        <a:t>，之后每月释放约总发行量的</a:t>
+                      </a:r>
+                      <a:r>
+                        <a:rPr lang="en-US" altLang="ja-JP" sz="1600" u="none" strike="noStrike" dirty="0">
+                          <a:effectLst/>
+                        </a:rPr>
+                        <a:t>0.1%</a:t>
+                      </a:r>
+                      <a:r>
+                        <a:rPr lang="ja-JP" altLang="en-US" sz="1600" u="none" strike="noStrike">
+                          <a:effectLst/>
+                        </a:rPr>
+                        <a:t>～</a:t>
+                      </a:r>
+                      <a:r>
+                        <a:rPr lang="en-US" altLang="ja-JP" sz="1600" u="none" strike="noStrike" dirty="0">
+                          <a:effectLst/>
+                        </a:rPr>
+                        <a:t>0.2%</a:t>
+                      </a:r>
+                      <a:r>
+                        <a:rPr lang="ja-JP" altLang="en-US" sz="1600" u="none" strike="noStrike">
+                          <a:effectLst/>
+                        </a:rPr>
+                        <a:t>用于空投，持续</a:t>
+                      </a:r>
+                      <a:r>
+                        <a:rPr lang="en-US" altLang="ja-JP" sz="1600" u="none" strike="noStrike" dirty="0">
+                          <a:effectLst/>
+                        </a:rPr>
+                        <a:t>6</a:t>
+                      </a:r>
+                      <a:r>
+                        <a:rPr lang="ja-JP" altLang="en-US" sz="1600" u="none" strike="noStrike">
+                          <a:effectLst/>
+                        </a:rPr>
+                        <a:t>年至</a:t>
+                      </a:r>
+                      <a:r>
+                        <a:rPr lang="en-US" altLang="ja-JP" sz="1600" u="none" strike="noStrike" dirty="0">
+                          <a:effectLst/>
+                        </a:rPr>
+                        <a:t>202</a:t>
+                      </a:r>
+                      <a:r>
+                        <a:rPr lang="en-US" altLang="zh-CN" sz="1600" u="none" strike="noStrike" dirty="0">
+                          <a:effectLst/>
+                        </a:rPr>
+                        <a:t>5</a:t>
+                      </a:r>
+                      <a:r>
+                        <a:rPr lang="ja-JP" altLang="en-US" sz="1600" u="none" strike="noStrike">
+                          <a:effectLst/>
+                        </a:rPr>
+                        <a:t>年</a:t>
+                      </a:r>
+                      <a:r>
+                        <a:rPr lang="en-US" altLang="zh-CN" sz="1600" u="none" strike="noStrike" dirty="0">
+                          <a:effectLst/>
+                        </a:rPr>
+                        <a:t>2</a:t>
+                      </a:r>
+                      <a:r>
+                        <a:rPr lang="ja-JP" altLang="en-US" sz="1600" u="none" strike="noStrike">
+                          <a:effectLst/>
+                        </a:rPr>
+                        <a:t>月</a:t>
+                      </a:r>
+                      <a:endParaRPr lang="ja-JP" altLang="en-US" sz="1600" b="0" i="0" u="none" strike="noStrike">
+                        <a:solidFill>
+                          <a:srgbClr val="000000"/>
+                        </a:solidFill>
+                        <a:effectLst/>
+                        <a:latin typeface="Calibri" charset="0"/>
+                      </a:endParaRPr>
+                    </a:p>
+                  </a:txBody>
+                  <a:tcPr marL="9525" marR="9525" marT="9525" marB="0" anchor="ctr"/>
+                </a:tc>
+              </a:tr>
+              <a:tr h="562936">
+                <a:tc>
+                  <a:txBody>
+                    <a:bodyPr/>
+                    <a:lstStyle/>
+                    <a:p>
+                      <a:pPr algn="l" fontAlgn="ctr"/>
+                      <a:r>
+                        <a:rPr lang="en-US" sz="1600" u="none" strike="noStrike">
+                          <a:effectLst/>
+                        </a:rPr>
+                        <a:t>BitTorrent</a:t>
+                      </a:r>
+                      <a:r>
+                        <a:rPr lang="ja-JP" altLang="en-US" sz="1600" u="none" strike="noStrike">
+                          <a:effectLst/>
+                        </a:rPr>
+                        <a:t>团队</a:t>
+                      </a:r>
+                      <a:endParaRPr lang="ja-JP" altLang="en-US" sz="1600" b="0" i="0" u="none" strike="noStrike">
+                        <a:solidFill>
+                          <a:srgbClr val="555555"/>
+                        </a:solidFill>
+                        <a:effectLst/>
+                        <a:latin typeface="Microsoft YaHei" panose="020B0503020204020204" pitchFamily="34" charset="-122"/>
+                        <a:ea typeface="Microsoft YaHei" panose="020B0503020204020204" pitchFamily="34" charset="-122"/>
+                      </a:endParaRPr>
+                    </a:p>
+                  </a:txBody>
+                  <a:tcPr marL="9525" marR="9525" marT="9525" marB="0" anchor="ctr"/>
+                </a:tc>
+                <a:tc>
+                  <a:txBody>
+                    <a:bodyPr/>
+                    <a:lstStyle/>
+                    <a:p>
+                      <a:pPr algn="l" fontAlgn="ctr"/>
+                      <a:r>
+                        <a:rPr lang="en-US" sz="1600" u="none" strike="noStrike">
+                          <a:effectLst/>
+                        </a:rPr>
+                        <a:t>19%</a:t>
+                      </a:r>
+                      <a:endParaRPr lang="en-US" sz="1600" b="0" i="0" u="none" strike="noStrike">
+                        <a:solidFill>
+                          <a:srgbClr val="555555"/>
+                        </a:solidFill>
+                        <a:effectLst/>
+                        <a:latin typeface="Microsoft YaHei" panose="020B0503020204020204" pitchFamily="34" charset="-122"/>
+                        <a:ea typeface="Microsoft YaHei" panose="020B0503020204020204" pitchFamily="34" charset="-122"/>
+                      </a:endParaRPr>
+                    </a:p>
+                  </a:txBody>
+                  <a:tcPr marL="9525" marR="9525" marT="9525" marB="0" anchor="ctr"/>
+                </a:tc>
+                <a:tc>
+                  <a:txBody>
+                    <a:bodyPr/>
+                    <a:lstStyle/>
+                    <a:p>
+                      <a:pPr algn="l" fontAlgn="ctr"/>
+                      <a:r>
+                        <a:rPr lang="en-US" altLang="ja-JP" sz="1600" u="none" strike="noStrike" dirty="0">
+                          <a:effectLst/>
+                        </a:rPr>
+                        <a:t>2019</a:t>
+                      </a:r>
+                      <a:r>
+                        <a:rPr lang="ja-JP" altLang="en-US" sz="1600" u="none" strike="noStrike">
+                          <a:effectLst/>
+                        </a:rPr>
+                        <a:t>年</a:t>
+                      </a:r>
+                      <a:r>
+                        <a:rPr lang="en-US" altLang="ja-JP" sz="1600" u="none" strike="noStrike" dirty="0">
+                          <a:effectLst/>
+                        </a:rPr>
+                        <a:t>1</a:t>
+                      </a:r>
+                      <a:r>
+                        <a:rPr lang="ja-JP" altLang="en-US" sz="1600" u="none" strike="noStrike">
+                          <a:effectLst/>
+                        </a:rPr>
+                        <a:t>月释放发行总量</a:t>
+                      </a:r>
+                      <a:r>
+                        <a:rPr lang="en-US" altLang="ja-JP" sz="1600" u="none" strike="noStrike" dirty="0">
+                          <a:effectLst/>
+                        </a:rPr>
+                        <a:t>0.53%</a:t>
+                      </a:r>
+                      <a:r>
+                        <a:rPr lang="ja-JP" altLang="en-US" sz="1600" u="none" strike="noStrike">
+                          <a:effectLst/>
+                        </a:rPr>
+                        <a:t>，之后每月也释放总发行量的</a:t>
+                      </a:r>
+                      <a:r>
+                        <a:rPr lang="en-US" altLang="ja-JP" sz="1600" u="none" strike="noStrike" dirty="0">
+                          <a:effectLst/>
+                        </a:rPr>
+                        <a:t>0.53%</a:t>
+                      </a:r>
+                      <a:r>
+                        <a:rPr lang="ja-JP" altLang="en-US" sz="1600" u="none" strike="noStrike">
+                          <a:effectLst/>
+                        </a:rPr>
+                        <a:t>，持续</a:t>
+                      </a:r>
+                      <a:r>
+                        <a:rPr lang="en-US" altLang="ja-JP" sz="1600" u="none" strike="noStrike" dirty="0">
+                          <a:effectLst/>
+                        </a:rPr>
+                        <a:t>3</a:t>
+                      </a:r>
+                      <a:r>
+                        <a:rPr lang="ja-JP" altLang="en-US" sz="1600" u="none" strike="noStrike">
+                          <a:effectLst/>
+                        </a:rPr>
+                        <a:t>年至</a:t>
+                      </a:r>
+                      <a:r>
+                        <a:rPr lang="en-US" altLang="ja-JP" sz="1600" u="none" strike="noStrike" dirty="0">
+                          <a:effectLst/>
+                        </a:rPr>
+                        <a:t>2021</a:t>
+                      </a:r>
+                      <a:r>
+                        <a:rPr lang="ja-JP" altLang="en-US" sz="1600" u="none" strike="noStrike">
+                          <a:effectLst/>
+                        </a:rPr>
+                        <a:t>年</a:t>
+                      </a:r>
+                      <a:r>
+                        <a:rPr lang="en-US" altLang="ja-JP" sz="1600" u="none" strike="noStrike" dirty="0">
+                          <a:effectLst/>
+                        </a:rPr>
+                        <a:t>12</a:t>
+                      </a:r>
+                      <a:r>
+                        <a:rPr lang="ja-JP" altLang="en-US" sz="1600" u="none" strike="noStrike">
+                          <a:effectLst/>
+                        </a:rPr>
+                        <a:t>月</a:t>
+                      </a:r>
+                      <a:endParaRPr lang="ja-JP" altLang="en-US" sz="1600" b="0" i="0" u="none" strike="noStrike">
+                        <a:solidFill>
+                          <a:srgbClr val="000000"/>
+                        </a:solidFill>
+                        <a:effectLst/>
+                        <a:latin typeface="Calibri" charset="0"/>
+                      </a:endParaRPr>
+                    </a:p>
+                  </a:txBody>
+                  <a:tcPr marL="9525" marR="9525" marT="9525" marB="0" anchor="ctr"/>
+                </a:tc>
+              </a:tr>
+              <a:tr h="562936">
+                <a:tc>
+                  <a:txBody>
+                    <a:bodyPr/>
+                    <a:lstStyle/>
+                    <a:p>
+                      <a:pPr algn="l" fontAlgn="ctr"/>
+                      <a:r>
+                        <a:rPr lang="en-US" sz="1600" u="none" strike="noStrike">
+                          <a:effectLst/>
+                        </a:rPr>
+                        <a:t>BitTorrent</a:t>
+                      </a:r>
+                      <a:r>
+                        <a:rPr lang="ja-JP" altLang="en-US" sz="1600" u="none" strike="noStrike">
+                          <a:effectLst/>
+                        </a:rPr>
+                        <a:t>空投</a:t>
+                      </a:r>
+                      <a:endParaRPr lang="ja-JP" altLang="en-US" sz="1600" b="0" i="0" u="none" strike="noStrike">
+                        <a:solidFill>
+                          <a:srgbClr val="555555"/>
+                        </a:solidFill>
+                        <a:effectLst/>
+                        <a:latin typeface="Microsoft YaHei" panose="020B0503020204020204" pitchFamily="34" charset="-122"/>
+                        <a:ea typeface="Microsoft YaHei" panose="020B0503020204020204" pitchFamily="34" charset="-122"/>
+                      </a:endParaRPr>
+                    </a:p>
+                  </a:txBody>
+                  <a:tcPr marL="9525" marR="9525" marT="9525" marB="0" anchor="ctr"/>
+                </a:tc>
+                <a:tc>
+                  <a:txBody>
+                    <a:bodyPr/>
+                    <a:lstStyle/>
+                    <a:p>
+                      <a:pPr algn="l" fontAlgn="ctr"/>
+                      <a:r>
+                        <a:rPr lang="en-US" sz="1600" u="none" strike="noStrike">
+                          <a:effectLst/>
+                        </a:rPr>
+                        <a:t>10%</a:t>
+                      </a:r>
+                      <a:endParaRPr lang="en-US" sz="1600" b="0" i="0" u="none" strike="noStrike">
+                        <a:solidFill>
+                          <a:srgbClr val="555555"/>
+                        </a:solidFill>
+                        <a:effectLst/>
+                        <a:latin typeface="Microsoft YaHei" panose="020B0503020204020204" pitchFamily="34" charset="-122"/>
+                        <a:ea typeface="Microsoft YaHei" panose="020B0503020204020204" pitchFamily="34" charset="-122"/>
+                      </a:endParaRPr>
+                    </a:p>
+                  </a:txBody>
+                  <a:tcPr marL="9525" marR="9525" marT="9525" marB="0" anchor="ctr"/>
+                </a:tc>
+                <a:tc>
+                  <a:txBody>
+                    <a:bodyPr/>
+                    <a:lstStyle/>
+                    <a:p>
+                      <a:pPr algn="l" fontAlgn="ctr"/>
+                      <a:r>
+                        <a:rPr lang="en-US" altLang="ja-JP" sz="1600" u="none" strike="noStrike" dirty="0">
+                          <a:effectLst/>
+                        </a:rPr>
+                        <a:t>2019</a:t>
+                      </a:r>
+                      <a:r>
+                        <a:rPr lang="ja-JP" altLang="en-US" sz="1600" u="none" strike="noStrike">
+                          <a:effectLst/>
+                        </a:rPr>
+                        <a:t>年</a:t>
+                      </a:r>
+                      <a:r>
+                        <a:rPr lang="en-US" altLang="ja-JP" sz="1600" u="none" strike="noStrike" dirty="0">
+                          <a:effectLst/>
+                        </a:rPr>
+                        <a:t>1</a:t>
+                      </a:r>
+                      <a:r>
+                        <a:rPr lang="ja-JP" altLang="en-US" sz="1600" u="none" strike="noStrike">
+                          <a:effectLst/>
+                        </a:rPr>
+                        <a:t>月空投总发行量的</a:t>
+                      </a:r>
+                      <a:r>
+                        <a:rPr lang="en-US" altLang="ja-JP" sz="1600" u="none" strike="noStrike" dirty="0">
+                          <a:effectLst/>
+                        </a:rPr>
+                        <a:t>0.95%</a:t>
+                      </a:r>
+                      <a:r>
+                        <a:rPr lang="ja-JP" altLang="en-US" sz="1600" u="none" strike="noStrike">
+                          <a:effectLst/>
+                        </a:rPr>
+                        <a:t>，之后起初每月释放约总发行量的</a:t>
+                      </a:r>
+                      <a:r>
+                        <a:rPr lang="en-US" altLang="ja-JP" sz="1600" u="none" strike="noStrike" dirty="0">
+                          <a:effectLst/>
+                        </a:rPr>
+                        <a:t>0.3%</a:t>
+                      </a:r>
+                      <a:r>
+                        <a:rPr lang="ja-JP" altLang="en-US" sz="1600" u="none" strike="noStrike">
+                          <a:effectLst/>
+                        </a:rPr>
+                        <a:t>用于空投，</a:t>
+                      </a:r>
+                      <a:r>
+                        <a:rPr lang="en-US" altLang="ja-JP" sz="1600" u="none" strike="noStrike" dirty="0">
+                          <a:effectLst/>
+                        </a:rPr>
+                        <a:t>12</a:t>
+                      </a:r>
+                      <a:r>
+                        <a:rPr lang="ja-JP" altLang="en-US" sz="1600" u="none" strike="noStrike">
+                          <a:effectLst/>
+                        </a:rPr>
+                        <a:t>个月后逐步减少，持续</a:t>
+                      </a:r>
+                      <a:r>
+                        <a:rPr lang="en-US" altLang="ja-JP" sz="1600" u="none" strike="noStrike" dirty="0">
+                          <a:effectLst/>
+                        </a:rPr>
+                        <a:t>9</a:t>
+                      </a:r>
+                      <a:r>
+                        <a:rPr lang="ja-JP" altLang="en-US" sz="1600" u="none" strike="noStrike">
+                          <a:effectLst/>
+                        </a:rPr>
+                        <a:t>年至</a:t>
+                      </a:r>
+                      <a:r>
+                        <a:rPr lang="en-US" altLang="ja-JP" sz="1600" u="none" strike="noStrike" dirty="0">
+                          <a:effectLst/>
+                        </a:rPr>
+                        <a:t>2027</a:t>
+                      </a:r>
+                      <a:r>
+                        <a:rPr lang="ja-JP" altLang="en-US" sz="1600" u="none" strike="noStrike">
+                          <a:effectLst/>
+                        </a:rPr>
+                        <a:t>年</a:t>
+                      </a:r>
+                      <a:r>
+                        <a:rPr lang="en-US" altLang="ja-JP" sz="1600" u="none" strike="noStrike" dirty="0">
+                          <a:effectLst/>
+                        </a:rPr>
+                        <a:t>12</a:t>
+                      </a:r>
+                      <a:r>
+                        <a:rPr lang="ja-JP" altLang="en-US" sz="1600" u="none" strike="noStrike">
+                          <a:effectLst/>
+                        </a:rPr>
+                        <a:t>月</a:t>
+                      </a:r>
+                      <a:endParaRPr lang="ja-JP" altLang="en-US" sz="1600" b="0" i="0" u="none" strike="noStrike">
+                        <a:solidFill>
+                          <a:srgbClr val="000000"/>
+                        </a:solidFill>
+                        <a:effectLst/>
+                        <a:latin typeface="Calibri" charset="0"/>
+                      </a:endParaRPr>
+                    </a:p>
+                  </a:txBody>
+                  <a:tcPr marL="9525" marR="9525" marT="9525" marB="0" anchor="ctr"/>
+                </a:tc>
+              </a:tr>
+              <a:tr h="562936">
+                <a:tc>
+                  <a:txBody>
+                    <a:bodyPr/>
+                    <a:lstStyle/>
+                    <a:p>
+                      <a:pPr algn="l" fontAlgn="ctr"/>
+                      <a:r>
+                        <a:rPr lang="en-US" sz="1600" u="none" strike="noStrike">
+                          <a:effectLst/>
+                        </a:rPr>
+                        <a:t>BitTorrent</a:t>
+                      </a:r>
+                      <a:r>
+                        <a:rPr lang="ja-JP" altLang="en-US" sz="1600" u="none" strike="noStrike">
+                          <a:effectLst/>
+                        </a:rPr>
+                        <a:t>生态</a:t>
+                      </a:r>
+                      <a:endParaRPr lang="ja-JP" altLang="en-US" sz="1600" b="0" i="0" u="none" strike="noStrike">
+                        <a:solidFill>
+                          <a:srgbClr val="555555"/>
+                        </a:solidFill>
+                        <a:effectLst/>
+                        <a:latin typeface="Microsoft YaHei" panose="020B0503020204020204" pitchFamily="34" charset="-122"/>
+                        <a:ea typeface="Microsoft YaHei" panose="020B0503020204020204" pitchFamily="34" charset="-122"/>
+                      </a:endParaRPr>
+                    </a:p>
+                  </a:txBody>
+                  <a:tcPr marL="9525" marR="9525" marT="9525" marB="0" anchor="ctr"/>
+                </a:tc>
+                <a:tc>
+                  <a:txBody>
+                    <a:bodyPr/>
+                    <a:lstStyle/>
+                    <a:p>
+                      <a:pPr algn="l" fontAlgn="ctr"/>
+                      <a:r>
+                        <a:rPr lang="en-US" sz="1600" u="none" strike="noStrike">
+                          <a:effectLst/>
+                        </a:rPr>
+                        <a:t>19.9%</a:t>
+                      </a:r>
+                      <a:endParaRPr lang="en-US" sz="1600" b="0" i="0" u="none" strike="noStrike">
+                        <a:solidFill>
+                          <a:srgbClr val="555555"/>
+                        </a:solidFill>
+                        <a:effectLst/>
+                        <a:latin typeface="Microsoft YaHei" panose="020B0503020204020204" pitchFamily="34" charset="-122"/>
+                        <a:ea typeface="Microsoft YaHei" panose="020B0503020204020204" pitchFamily="34" charset="-122"/>
+                      </a:endParaRPr>
+                    </a:p>
+                  </a:txBody>
+                  <a:tcPr marL="9525" marR="9525" marT="9525" marB="0" anchor="ctr"/>
+                </a:tc>
+                <a:tc>
+                  <a:txBody>
+                    <a:bodyPr/>
+                    <a:lstStyle/>
+                    <a:p>
+                      <a:pPr algn="l" fontAlgn="ctr"/>
+                      <a:r>
+                        <a:rPr lang="en-US" altLang="ja-JP" sz="1600" u="none" strike="noStrike" dirty="0">
+                          <a:effectLst/>
+                        </a:rPr>
+                        <a:t>2019</a:t>
+                      </a:r>
+                      <a:r>
+                        <a:rPr lang="ja-JP" altLang="en-US" sz="1600" u="none" strike="noStrike">
+                          <a:effectLst/>
+                        </a:rPr>
+                        <a:t>年</a:t>
+                      </a:r>
+                      <a:r>
+                        <a:rPr lang="en-US" altLang="ja-JP" sz="1600" u="none" strike="noStrike" dirty="0">
+                          <a:effectLst/>
+                        </a:rPr>
+                        <a:t>1</a:t>
+                      </a:r>
+                      <a:r>
+                        <a:rPr lang="ja-JP" altLang="en-US" sz="1600" u="none" strike="noStrike">
+                          <a:effectLst/>
+                        </a:rPr>
+                        <a:t>月释放总发行量的</a:t>
+                      </a:r>
+                      <a:r>
+                        <a:rPr lang="en-US" altLang="ja-JP" sz="1600" u="none" strike="noStrike" dirty="0">
+                          <a:effectLst/>
+                        </a:rPr>
+                        <a:t>1.7%</a:t>
+                      </a:r>
+                      <a:r>
+                        <a:rPr lang="ja-JP" altLang="en-US" sz="1600" u="none" strike="noStrike">
+                          <a:effectLst/>
+                        </a:rPr>
+                        <a:t>，起初每月释放约</a:t>
+                      </a:r>
+                      <a:r>
+                        <a:rPr lang="en-US" altLang="ja-JP" sz="1600" u="none" strike="noStrike" dirty="0">
+                          <a:effectLst/>
+                        </a:rPr>
+                        <a:t>1%</a:t>
+                      </a:r>
+                      <a:r>
+                        <a:rPr lang="ja-JP" altLang="en-US" sz="1600" u="none" strike="noStrike">
+                          <a:effectLst/>
+                        </a:rPr>
+                        <a:t>，</a:t>
+                      </a:r>
+                      <a:r>
+                        <a:rPr lang="en-US" altLang="ja-JP" sz="1600" u="none" strike="noStrike" dirty="0">
+                          <a:effectLst/>
+                        </a:rPr>
+                        <a:t>6</a:t>
+                      </a:r>
+                      <a:r>
+                        <a:rPr lang="ja-JP" altLang="en-US" sz="1600" u="none" strike="noStrike">
+                          <a:effectLst/>
+                        </a:rPr>
+                        <a:t>个月后逐步减少，持续</a:t>
+                      </a:r>
+                      <a:r>
+                        <a:rPr lang="en-US" altLang="ja-JP" sz="1600" u="none" strike="noStrike" dirty="0">
+                          <a:effectLst/>
+                        </a:rPr>
+                        <a:t>9</a:t>
+                      </a:r>
+                      <a:r>
+                        <a:rPr lang="ja-JP" altLang="en-US" sz="1600" u="none" strike="noStrike">
+                          <a:effectLst/>
+                        </a:rPr>
+                        <a:t>年至</a:t>
+                      </a:r>
+                      <a:r>
+                        <a:rPr lang="en-US" altLang="ja-JP" sz="1600" u="none" strike="noStrike" dirty="0">
+                          <a:effectLst/>
+                        </a:rPr>
+                        <a:t>2027</a:t>
+                      </a:r>
+                      <a:r>
+                        <a:rPr lang="ja-JP" altLang="en-US" sz="1600" u="none" strike="noStrike">
+                          <a:effectLst/>
+                        </a:rPr>
+                        <a:t>年</a:t>
+                      </a:r>
+                      <a:r>
+                        <a:rPr lang="en-US" altLang="ja-JP" sz="1600" u="none" strike="noStrike" dirty="0">
+                          <a:effectLst/>
+                        </a:rPr>
+                        <a:t>12</a:t>
+                      </a:r>
+                      <a:r>
+                        <a:rPr lang="ja-JP" altLang="en-US" sz="1600" u="none" strike="noStrike">
+                          <a:effectLst/>
+                        </a:rPr>
+                        <a:t>月</a:t>
+                      </a:r>
+                      <a:endParaRPr lang="ja-JP" altLang="en-US" sz="1600" b="0" i="0" u="none" strike="noStrike">
+                        <a:solidFill>
+                          <a:srgbClr val="000000"/>
+                        </a:solidFill>
+                        <a:effectLst/>
+                        <a:latin typeface="Calibri" charset="0"/>
+                      </a:endParaRPr>
+                    </a:p>
+                  </a:txBody>
+                  <a:tcPr marL="9525" marR="9525" marT="9525" marB="0" anchor="ctr"/>
+                </a:tc>
+              </a:tr>
+              <a:tr h="562936">
+                <a:tc>
+                  <a:txBody>
+                    <a:bodyPr/>
+                    <a:lstStyle/>
+                    <a:p>
+                      <a:pPr algn="l" fontAlgn="ctr"/>
+                      <a:r>
+                        <a:rPr lang="ja-JP" altLang="en-US" sz="1600" u="none" strike="noStrike">
+                          <a:effectLst/>
+                        </a:rPr>
+                        <a:t>合作伙伴</a:t>
+                      </a:r>
+                      <a:endParaRPr lang="ja-JP" altLang="en-US" sz="1600" b="0" i="0" u="none" strike="noStrike">
+                        <a:solidFill>
+                          <a:srgbClr val="555555"/>
+                        </a:solidFill>
+                        <a:effectLst/>
+                        <a:latin typeface="Microsoft YaHei" panose="020B0503020204020204" pitchFamily="34" charset="-122"/>
+                        <a:ea typeface="Microsoft YaHei" panose="020B0503020204020204" pitchFamily="34" charset="-122"/>
+                      </a:endParaRPr>
+                    </a:p>
+                  </a:txBody>
+                  <a:tcPr marL="9525" marR="9525" marT="9525" marB="0" anchor="ctr"/>
+                </a:tc>
+                <a:tc>
+                  <a:txBody>
+                    <a:bodyPr/>
+                    <a:lstStyle/>
+                    <a:p>
+                      <a:pPr algn="l" fontAlgn="ctr"/>
+                      <a:r>
+                        <a:rPr lang="en-US" sz="1600" u="none" strike="noStrike">
+                          <a:effectLst/>
+                        </a:rPr>
+                        <a:t>4%</a:t>
+                      </a:r>
+                      <a:endParaRPr lang="en-US" sz="1600" b="0" i="0" u="none" strike="noStrike">
+                        <a:solidFill>
+                          <a:srgbClr val="555555"/>
+                        </a:solidFill>
+                        <a:effectLst/>
+                        <a:latin typeface="Microsoft YaHei" panose="020B0503020204020204" pitchFamily="34" charset="-122"/>
+                        <a:ea typeface="Microsoft YaHei" panose="020B0503020204020204" pitchFamily="34" charset="-122"/>
+                      </a:endParaRPr>
+                    </a:p>
+                  </a:txBody>
+                  <a:tcPr marL="9525" marR="9525" marT="9525" marB="0" anchor="ctr"/>
+                </a:tc>
+                <a:tc>
+                  <a:txBody>
+                    <a:bodyPr/>
+                    <a:lstStyle/>
+                    <a:p>
+                      <a:pPr algn="l" fontAlgn="ctr"/>
+                      <a:r>
+                        <a:rPr lang="en-US" altLang="ja-JP" sz="1600" u="none" strike="noStrike" dirty="0">
+                          <a:effectLst/>
+                        </a:rPr>
+                        <a:t>2019</a:t>
+                      </a:r>
+                      <a:r>
+                        <a:rPr lang="ja-JP" altLang="en-US" sz="1600" u="none" strike="noStrike">
+                          <a:effectLst/>
+                        </a:rPr>
+                        <a:t>年</a:t>
+                      </a:r>
+                      <a:r>
+                        <a:rPr lang="en-US" altLang="ja-JP" sz="1600" u="none" strike="noStrike" dirty="0">
+                          <a:effectLst/>
+                        </a:rPr>
+                        <a:t>1</a:t>
+                      </a:r>
+                      <a:r>
+                        <a:rPr lang="ja-JP" altLang="en-US" sz="1600" u="none" strike="noStrike">
+                          <a:effectLst/>
+                        </a:rPr>
+                        <a:t>月释放总发行量的</a:t>
+                      </a:r>
+                      <a:r>
+                        <a:rPr lang="en-US" altLang="ja-JP" sz="1600" u="none" strike="noStrike" dirty="0">
+                          <a:effectLst/>
+                        </a:rPr>
+                        <a:t>0.3%</a:t>
+                      </a:r>
+                      <a:r>
+                        <a:rPr lang="ja-JP" altLang="en-US" sz="1600" u="none" strike="noStrike">
+                          <a:effectLst/>
+                        </a:rPr>
+                        <a:t>，之后每月释放总发行量的</a:t>
+                      </a:r>
+                      <a:r>
+                        <a:rPr lang="en-US" altLang="ja-JP" sz="1600" u="none" strike="noStrike" dirty="0">
+                          <a:effectLst/>
+                        </a:rPr>
+                        <a:t>0.3%</a:t>
+                      </a:r>
+                      <a:r>
+                        <a:rPr lang="ja-JP" altLang="en-US" sz="1600" u="none" strike="noStrike">
+                          <a:effectLst/>
+                        </a:rPr>
+                        <a:t>，</a:t>
+                      </a:r>
+                      <a:r>
+                        <a:rPr lang="en-US" altLang="ja-JP" sz="1600" u="none" strike="noStrike" dirty="0">
+                          <a:effectLst/>
+                        </a:rPr>
+                        <a:t>6</a:t>
+                      </a:r>
+                      <a:r>
+                        <a:rPr lang="ja-JP" altLang="en-US" sz="1600" u="none" strike="noStrike">
+                          <a:effectLst/>
+                        </a:rPr>
+                        <a:t>个月后逐步减少，持续</a:t>
+                      </a:r>
+                      <a:r>
+                        <a:rPr lang="en-US" altLang="ja-JP" sz="1600" u="none" strike="noStrike" dirty="0">
+                          <a:effectLst/>
+                        </a:rPr>
+                        <a:t>9</a:t>
+                      </a:r>
+                      <a:r>
+                        <a:rPr lang="ja-JP" altLang="en-US" sz="1600" u="none" strike="noStrike">
+                          <a:effectLst/>
+                        </a:rPr>
+                        <a:t>年至</a:t>
+                      </a:r>
+                      <a:r>
+                        <a:rPr lang="en-US" altLang="ja-JP" sz="1600" u="none" strike="noStrike" dirty="0">
+                          <a:effectLst/>
+                        </a:rPr>
+                        <a:t>2027</a:t>
+                      </a:r>
+                      <a:r>
+                        <a:rPr lang="ja-JP" altLang="en-US" sz="1600" u="none" strike="noStrike">
+                          <a:effectLst/>
+                        </a:rPr>
+                        <a:t>年</a:t>
+                      </a:r>
+                      <a:r>
+                        <a:rPr lang="en-US" altLang="ja-JP" sz="1600" u="none" strike="noStrike" dirty="0">
+                          <a:effectLst/>
+                        </a:rPr>
+                        <a:t>12</a:t>
+                      </a:r>
+                      <a:r>
+                        <a:rPr lang="ja-JP" altLang="en-US" sz="1600" u="none" strike="noStrike">
+                          <a:effectLst/>
+                        </a:rPr>
+                        <a:t>月</a:t>
+                      </a:r>
+                      <a:endParaRPr lang="ja-JP" altLang="en-US" sz="1600" b="0" i="0" u="none" strike="noStrike">
+                        <a:solidFill>
+                          <a:srgbClr val="000000"/>
+                        </a:solidFill>
+                        <a:effectLst/>
+                        <a:latin typeface="Calibri" charset="0"/>
+                      </a:endParaRPr>
+                    </a:p>
+                  </a:txBody>
+                  <a:tcPr marL="9525" marR="9525" marT="9525" marB="0" anchor="ctr"/>
+                </a:tc>
+              </a:tr>
+            </a:tbl>
+          </a:graphicData>
+        </a:graphic>
+      </p:graphicFrame>
+    </p:spTree>
+  </p:cSld>
+  <p:clrMapOvr>
+    <a:masterClrMapping/>
+  </p:clrMapOvr>
+</p:sld>
+</file>
+
+<file path=ppt/slides/slide13.xml><?xml version="1.0" encoding="utf-8"?>
 <p:sld xmlns:a="http://schemas.openxmlformats.org/drawingml/2006/main" xmlns:r="http://schemas.openxmlformats.org/officeDocument/2006/relationships" xmlns:p="http://schemas.openxmlformats.org/presentationml/2006/main">
   <p:cSld>
     <p:spTree>

--- a/ppt/coins.pptx
+++ b/ppt/coins.pptx
@@ -150,7 +150,7 @@
           <a:lstStyle/>
           <a:p>
             <a:pPr defTabSz="914400">
-              <a:defRPr lang="en-US" sz="2000" b="0" i="0" u="none" strike="noStrike" kern="1200" spc="0" baseline="0">
+              <a:defRPr lang="en-US" sz="3200" b="0" i="0" u="none" strike="noStrike" kern="1200" spc="0" baseline="0">
                 <a:solidFill>
                   <a:schemeClr val="tx1">
                     <a:lumMod val="65000"/>
@@ -163,14 +163,14 @@
               </a:defRPr>
             </a:pPr>
             <a:r>
-              <a:rPr altLang="zh-CN" sz="2000"/>
-              <a:t>ETH</a:t>
-            </a:r>
-            <a:r>
-              <a:rPr lang="zh-CN" altLang="en-US" sz="2000"/>
+              <a:rPr altLang="zh-CN" sz="3200"/>
+              <a:t>每年ETH</a:t>
+            </a:r>
+            <a:r>
+              <a:rPr lang="zh-CN" altLang="en-US" sz="3200"/>
               <a:t>累计发行总量（单位：万）</a:t>
             </a:r>
-            <a:endParaRPr lang="zh-CN" altLang="en-US" sz="2000"/>
+            <a:endParaRPr lang="zh-CN" altLang="en-US" sz="3200"/>
           </a:p>
         </c:rich>
       </c:tx>
@@ -178,8 +178,8 @@
         <c:manualLayout>
           <c:xMode val="edge"/>
           <c:yMode val="edge"/>
-          <c:x val="0.299105607155143"/>
-          <c:y val="0.0257898130238556"/>
+          <c:x val="0.147246753973038"/>
+          <c:y val="0.00800040818409105"/>
         </c:manualLayout>
       </c:layout>
       <c:overlay val="0"/>
@@ -586,11 +586,11 @@
         </c:dLbls>
         <c:gapWidth val="150"/>
         <c:overlap val="100"/>
-        <c:axId val="828206293"/>
-        <c:axId val="756487899"/>
+        <c:axId val="248582848"/>
+        <c:axId val="249628912"/>
       </c:barChart>
       <c:catAx>
-        <c:axId val="828206293"/>
+        <c:axId val="248582848"/>
         <c:scaling>
           <c:orientation val="minMax"/>
         </c:scaling>
@@ -631,7 +631,7 @@
             </a:pPr>
           </a:p>
         </c:txPr>
-        <c:crossAx val="756487899"/>
+        <c:crossAx val="249628912"/>
         <c:crosses val="autoZero"/>
         <c:auto val="1"/>
         <c:lblAlgn val="ctr"/>
@@ -639,7 +639,7 @@
         <c:noMultiLvlLbl val="0"/>
       </c:catAx>
       <c:valAx>
-        <c:axId val="756487899"/>
+        <c:axId val="249628912"/>
         <c:scaling>
           <c:orientation val="minMax"/>
         </c:scaling>
@@ -689,7 +689,7 @@
             </a:pPr>
           </a:p>
         </c:txPr>
-        <c:crossAx val="828206293"/>
+        <c:crossAx val="248582848"/>
         <c:crosses val="autoZero"/>
         <c:crossBetween val="between"/>
       </c:valAx>
@@ -1285,7 +1285,7 @@
           <a:lstStyle/>
           <a:p>
             <a:pPr defTabSz="914400">
-              <a:defRPr lang="en-US" sz="1400" b="0" i="0" u="none" strike="noStrike" kern="1200" spc="0" baseline="0">
+              <a:defRPr lang="en-US" sz="3200" b="0" i="0" u="none" strike="noStrike" kern="1200" spc="0" baseline="0">
                 <a:solidFill>
                   <a:schemeClr val="tx1">
                     <a:lumMod val="65000"/>
@@ -1298,8 +1298,38 @@
               </a:defRPr>
             </a:pPr>
             <a:r>
-              <a:t>BTT历史累计解锁量(亿)</a:t>
-            </a:r>
+              <a:rPr lang="en-US" altLang="zh-CN" sz="3200"/>
+              <a:t>每</a:t>
+            </a:r>
+            <a:r>
+              <a:rPr lang="zh-CN" altLang="en-US" sz="4800" b="1">
+                <a:solidFill>
+                  <a:srgbClr val="FF0000"/>
+                </a:solidFill>
+              </a:rPr>
+              <a:t>月</a:t>
+            </a:r>
+            <a:r>
+              <a:rPr lang="en-US" altLang="zh-CN" sz="3200"/>
+              <a:t>BTT</a:t>
+            </a:r>
+            <a:r>
+              <a:rPr lang="zh-CN" altLang="en-US" sz="3200"/>
+              <a:t>历史累计解锁量</a:t>
+            </a:r>
+            <a:r>
+              <a:rPr lang="en-US" altLang="zh-CN" sz="3200"/>
+              <a:t>(</a:t>
+            </a:r>
+            <a:r>
+              <a:rPr lang="zh-CN" altLang="en-US" sz="3200"/>
+              <a:t>亿</a:t>
+            </a:r>
+            <a:r>
+              <a:rPr lang="en-US" altLang="zh-CN" sz="3200"/>
+              <a:t>)</a:t>
+            </a:r>
+            <a:endParaRPr lang="en-US" altLang="zh-CN" sz="3200"/>
           </a:p>
         </c:rich>
       </c:tx>
@@ -1307,8 +1337,8 @@
         <c:manualLayout>
           <c:xMode val="edge"/>
           <c:yMode val="edge"/>
-          <c:x val="0.42903193483485"/>
-          <c:y val="0.138562379951613"/>
+          <c:x val="0.237255412549853"/>
+          <c:y val="0.0587912984286044"/>
         </c:manualLayout>
       </c:layout>
       <c:overlay val="0"/>
@@ -2124,11 +2154,11 @@
         </c:dLbls>
         <c:gapWidth val="150"/>
         <c:overlap val="100"/>
-        <c:axId val="796581280"/>
-        <c:axId val="76587145"/>
+        <c:axId val="250700352"/>
+        <c:axId val="250703104"/>
       </c:barChart>
       <c:catAx>
-        <c:axId val="796581280"/>
+        <c:axId val="250700352"/>
         <c:scaling>
           <c:orientation val="minMax"/>
         </c:scaling>
@@ -2169,7 +2199,7 @@
             </a:pPr>
           </a:p>
         </c:txPr>
-        <c:crossAx val="76587145"/>
+        <c:crossAx val="250703104"/>
         <c:crosses val="autoZero"/>
         <c:auto val="1"/>
         <c:lblAlgn val="ctr"/>
@@ -2177,7 +2207,7 @@
         <c:noMultiLvlLbl val="0"/>
       </c:catAx>
       <c:valAx>
-        <c:axId val="76587145"/>
+        <c:axId val="250703104"/>
         <c:scaling>
           <c:orientation val="minMax"/>
           <c:max val="10000"/>
@@ -2228,7 +2258,7 @@
             </a:pPr>
           </a:p>
         </c:txPr>
-        <c:crossAx val="796581280"/>
+        <c:crossAx val="250700352"/>
         <c:crosses val="autoZero"/>
         <c:crossBetween val="between"/>
       </c:valAx>
@@ -2326,7 +2356,7 @@
           <a:lstStyle/>
           <a:p>
             <a:pPr>
-              <a:defRPr lang="en-US" sz="2000" b="1" i="0" u="none" strike="noStrike" kern="1200" spc="0" baseline="0">
+              <a:defRPr lang="en-US" sz="2400" b="1" i="0" u="none" strike="noStrike" kern="1200" spc="0" baseline="0">
                 <a:solidFill>
                   <a:schemeClr val="tx1">
                     <a:lumMod val="65000"/>
@@ -2339,22 +2369,26 @@
               </a:defRPr>
             </a:pPr>
             <a:r>
-              <a:rPr lang="en-US" altLang="zh-CN" sz="2000" b="1" dirty="0"/>
+              <a:rPr lang="zh-CN" altLang="en-US" sz="2400" b="1" dirty="0"/>
+              <a:t>每年</a:t>
+            </a:r>
+            <a:r>
+              <a:rPr lang="en-US" altLang="zh-CN" sz="2400" b="1" dirty="0"/>
               <a:t>EOS</a:t>
             </a:r>
             <a:r>
-              <a:rPr lang="zh-CN" altLang="en-US" sz="2000" b="1" dirty="0"/>
+              <a:rPr lang="zh-CN" altLang="en-US" sz="2400" b="1" dirty="0"/>
               <a:t>累计发行</a:t>
             </a:r>
             <a:r>
-              <a:rPr lang="en-US" altLang="zh-CN" sz="2000" b="1" dirty="0"/>
+              <a:rPr lang="en-US" altLang="zh-CN" sz="2400" b="1" dirty="0"/>
               <a:t>&amp;</a:t>
             </a:r>
             <a:r>
-              <a:rPr lang="zh-CN" altLang="en-US" sz="2000" b="1" dirty="0"/>
+              <a:rPr lang="zh-CN" altLang="en-US" sz="2400" b="1" dirty="0"/>
               <a:t>销毁总量（单位：万）</a:t>
             </a:r>
-            <a:endParaRPr lang="zh-CN" altLang="en-US" sz="2000" b="1" dirty="0"/>
+            <a:endParaRPr lang="zh-CN" altLang="en-US" sz="2400" b="1" dirty="0"/>
           </a:p>
         </c:rich>
       </c:tx>
@@ -2952,8 +2986,8 @@
           </c:tx>
           <c:spPr>
             <a:solidFill>
-              <a:schemeClr val="bg2">
-                <a:lumMod val="50000"/>
+              <a:schemeClr val="bg1">
+                <a:lumMod val="85000"/>
               </a:schemeClr>
             </a:solidFill>
             <a:ln>
@@ -3135,11 +3169,11 @@
         </c:dLbls>
         <c:gapWidth val="150"/>
         <c:overlap val="100"/>
-        <c:axId val="-276572192"/>
-        <c:axId val="-275955664"/>
+        <c:axId val="249674752"/>
+        <c:axId val="249678016"/>
       </c:barChart>
       <c:catAx>
-        <c:axId val="-276572192"/>
+        <c:axId val="249674752"/>
         <c:scaling>
           <c:orientation val="minMax"/>
         </c:scaling>
@@ -3180,7 +3214,7 @@
             </a:pPr>
           </a:p>
         </c:txPr>
-        <c:crossAx val="-275955664"/>
+        <c:crossAx val="249678016"/>
         <c:crosses val="autoZero"/>
         <c:auto val="1"/>
         <c:lblAlgn val="ctr"/>
@@ -3188,7 +3222,7 @@
         <c:noMultiLvlLbl val="0"/>
       </c:catAx>
       <c:valAx>
-        <c:axId val="-275955664"/>
+        <c:axId val="249678016"/>
         <c:scaling>
           <c:orientation val="minMax"/>
         </c:scaling>
@@ -3238,7 +3272,7 @@
             </a:pPr>
           </a:p>
         </c:txPr>
-        <c:crossAx val="-276572192"/>
+        <c:crossAx val="249674752"/>
         <c:crosses val="autoZero"/>
         <c:crossBetween val="between"/>
       </c:valAx>
@@ -3328,7 +3362,7 @@
           <a:lstStyle/>
           <a:p>
             <a:pPr defTabSz="914400">
-              <a:defRPr lang="en-US" sz="1400" b="0" i="0" u="none" strike="noStrike" kern="1200" spc="0" baseline="0">
+              <a:defRPr lang="en-US" sz="2800" b="0" i="0" u="none" strike="noStrike" kern="1200" spc="0" baseline="0">
                 <a:solidFill>
                   <a:schemeClr val="tx1">
                     <a:lumMod val="65000"/>
@@ -3341,8 +3375,10 @@
               </a:defRPr>
             </a:pPr>
             <a:r>
-              <a:t>Atom累计发行总量（单位：亿）</a:t>
-            </a:r>
+              <a:rPr sz="2800"/>
+              <a:t>每年Atom累计发行总量（单位：亿）</a:t>
+            </a:r>
+            <a:endParaRPr sz="2800"/>
           </a:p>
         </c:rich>
       </c:tx>
@@ -3766,11 +3802,11 @@
         </c:dLbls>
         <c:gapWidth val="150"/>
         <c:overlap val="100"/>
-        <c:axId val="674183840"/>
-        <c:axId val="946918640"/>
+        <c:axId val="150849936"/>
+        <c:axId val="150852256"/>
       </c:barChart>
       <c:catAx>
-        <c:axId val="674183840"/>
+        <c:axId val="150849936"/>
         <c:scaling>
           <c:orientation val="minMax"/>
         </c:scaling>
@@ -3811,7 +3847,7 @@
             </a:pPr>
           </a:p>
         </c:txPr>
-        <c:crossAx val="946918640"/>
+        <c:crossAx val="150852256"/>
         <c:crosses val="autoZero"/>
         <c:auto val="1"/>
         <c:lblAlgn val="ctr"/>
@@ -3819,7 +3855,7 @@
         <c:noMultiLvlLbl val="0"/>
       </c:catAx>
       <c:valAx>
-        <c:axId val="946918640"/>
+        <c:axId val="150852256"/>
         <c:scaling>
           <c:orientation val="minMax"/>
         </c:scaling>
@@ -3869,7 +3905,7 @@
             </a:pPr>
           </a:p>
         </c:txPr>
-        <c:crossAx val="674183840"/>
+        <c:crossAx val="150849936"/>
         <c:crosses val="autoZero"/>
         <c:crossBetween val="between"/>
       </c:valAx>
@@ -4247,7 +4283,7 @@
           <a:lstStyle/>
           <a:p>
             <a:pPr defTabSz="914400">
-              <a:defRPr lang="en-US" sz="1400" b="0" i="0" u="none" strike="noStrike" kern="1200" spc="0" baseline="0">
+              <a:defRPr lang="en-US" sz="2400" b="0" i="0" u="none" strike="noStrike" kern="1200" spc="0" baseline="0">
                 <a:solidFill>
                   <a:schemeClr val="tx1">
                     <a:lumMod val="65000"/>
@@ -4260,13 +4296,26 @@
               </a:defRPr>
             </a:pPr>
             <a:r>
-              <a:t>ONT &amp; ONG</a:t>
-            </a:r>
-            <a:r>
-              <a:rPr lang="zh-CN" altLang="en-US"/>
-              <a:t>历史累计发行。单位：亿</a:t>
-            </a:r>
-            <a:endParaRPr lang="zh-CN" altLang="en-US"/>
+              <a:rPr sz="2400"/>
+              <a:t>每年ONT &amp; ONG</a:t>
+            </a:r>
+            <a:r>
+              <a:rPr lang="zh-CN" altLang="en-US" sz="2400"/>
+              <a:t>历史累计发行总量</a:t>
+            </a:r>
+            <a:r>
+              <a:rPr altLang="zh-CN" sz="2400"/>
+              <a:t>(</a:t>
+            </a:r>
+            <a:r>
+              <a:rPr lang="zh-CN" altLang="en-US" sz="2400"/>
+              <a:t>亿</a:t>
+            </a:r>
+            <a:r>
+              <a:rPr altLang="zh-CN" sz="2400"/>
+              <a:t>)</a:t>
+            </a:r>
+            <a:endParaRPr altLang="zh-CN" sz="2400"/>
           </a:p>
         </c:rich>
       </c:tx>
@@ -4551,11 +4600,11 @@
         </c:dLbls>
         <c:gapWidth val="150"/>
         <c:overlap val="100"/>
-        <c:axId val="831094611"/>
-        <c:axId val="461568043"/>
+        <c:axId val="249741088"/>
+        <c:axId val="249743840"/>
       </c:barChart>
       <c:catAx>
-        <c:axId val="831094611"/>
+        <c:axId val="249741088"/>
         <c:scaling>
           <c:orientation val="minMax"/>
         </c:scaling>
@@ -4596,7 +4645,7 @@
             </a:pPr>
           </a:p>
         </c:txPr>
-        <c:crossAx val="461568043"/>
+        <c:crossAx val="249743840"/>
         <c:crosses val="autoZero"/>
         <c:auto val="1"/>
         <c:lblAlgn val="ctr"/>
@@ -4604,9 +4653,10 @@
         <c:noMultiLvlLbl val="0"/>
       </c:catAx>
       <c:valAx>
-        <c:axId val="461568043"/>
+        <c:axId val="249743840"/>
         <c:scaling>
           <c:orientation val="minMax"/>
+          <c:max val="23"/>
         </c:scaling>
         <c:delete val="0"/>
         <c:axPos val="l"/>
@@ -4654,7 +4704,7 @@
             </a:pPr>
           </a:p>
         </c:txPr>
-        <c:crossAx val="831094611"/>
+        <c:crossAx val="249741088"/>
         <c:crosses val="autoZero"/>
         <c:crossBetween val="between"/>
       </c:valAx>
@@ -5273,7 +5323,7 @@
             </a:pPr>
             <a:r>
               <a:rPr lang="en-US" altLang="zh-CN" sz="2000" b="1" baseline="0"/>
-              <a:t>TRX </a:t>
+              <a:t>每年TRX </a:t>
             </a:r>
             <a:r>
               <a:rPr lang="zh-CN" altLang="en-US" sz="2000" b="1" baseline="0"/>
@@ -5282,14 +5332,6 @@
             <a:r>
               <a:rPr lang="en-US" altLang="zh-CN" sz="2000" b="1" baseline="0"/>
               <a:t> (</a:t>
-            </a:r>
-            <a:r>
-              <a:rPr lang="zh-CN" altLang="en-US" sz="2000" b="1" baseline="0"/>
-              <a:t>单位 </a:t>
-            </a:r>
-            <a:r>
-              <a:rPr lang="en-US" altLang="zh-CN" sz="2000" b="1" baseline="0"/>
-              <a:t>: </a:t>
             </a:r>
             <a:r>
               <a:rPr lang="zh-CN" altLang="en-US" sz="2000" b="1" baseline="0"/>
@@ -5714,11 +5756,11 @@
         </c:dLbls>
         <c:gapWidth val="150"/>
         <c:overlap val="100"/>
-        <c:axId val="1083091312"/>
-        <c:axId val="1082968864"/>
+        <c:axId val="250067856"/>
+        <c:axId val="250071888"/>
       </c:barChart>
       <c:catAx>
-        <c:axId val="1083091312"/>
+        <c:axId val="250067856"/>
         <c:scaling>
           <c:orientation val="minMax"/>
         </c:scaling>
@@ -5731,7 +5773,7 @@
               <a:lstStyle/>
               <a:p>
                 <a:pPr>
-                  <a:defRPr lang="en-US" sz="1000" b="0" i="0" u="none" strike="noStrike" kern="1200" baseline="0">
+                  <a:defRPr lang="en-US" sz="2400" b="0" i="0" u="none" strike="noStrike" kern="1200" baseline="0">
                     <a:solidFill>
                       <a:schemeClr val="tx1">
                         <a:lumMod val="65000"/>
@@ -5744,10 +5786,10 @@
                   </a:defRPr>
                 </a:pPr>
                 <a:r>
-                  <a:rPr lang="zh-CN" altLang="en-US"/>
+                  <a:rPr lang="zh-CN" altLang="en-US" sz="2400"/>
                   <a:t>年</a:t>
                 </a:r>
-                <a:endParaRPr lang="zh-CN" altLang="en-US"/>
+                <a:endParaRPr lang="zh-CN" altLang="en-US" sz="2400"/>
               </a:p>
             </c:rich>
           </c:tx>
@@ -5755,8 +5797,8 @@
             <c:manualLayout>
               <c:xMode val="edge"/>
               <c:yMode val="edge"/>
-              <c:x val="0.962337864126521"/>
-              <c:y val="0.853829084191855"/>
+              <c:x val="0.943255792933844"/>
+              <c:y val="0.865621257869952"/>
             </c:manualLayout>
           </c:layout>
           <c:overlay val="0"/>
@@ -5803,7 +5845,7 @@
             </a:pPr>
           </a:p>
         </c:txPr>
-        <c:crossAx val="1082968864"/>
+        <c:crossAx val="250071888"/>
         <c:crosses val="autoZero"/>
         <c:auto val="1"/>
         <c:lblAlgn val="ctr"/>
@@ -5811,7 +5853,7 @@
         <c:noMultiLvlLbl val="0"/>
       </c:catAx>
       <c:valAx>
-        <c:axId val="1082968864"/>
+        <c:axId val="250071888"/>
         <c:scaling>
           <c:orientation val="minMax"/>
         </c:scaling>
@@ -5838,7 +5880,7 @@
               <a:lstStyle/>
               <a:p>
                 <a:pPr>
-                  <a:defRPr lang="en-US" sz="1000" b="0" i="0" u="none" strike="noStrike" kern="1200" baseline="0">
+                  <a:defRPr lang="en-US" sz="2000" b="0" i="0" u="none" strike="noStrike" kern="1200" baseline="0">
                     <a:solidFill>
                       <a:schemeClr val="tx1">
                         <a:lumMod val="65000"/>
@@ -5851,10 +5893,10 @@
                   </a:defRPr>
                 </a:pPr>
                 <a:r>
-                  <a:rPr lang="zh-CN" altLang="en-US" dirty="0"/>
+                  <a:rPr lang="zh-CN" altLang="en-US" sz="2000" dirty="0"/>
                   <a:t>亿</a:t>
                 </a:r>
-                <a:endParaRPr lang="zh-CN" altLang="en-US" dirty="0"/>
+                <a:endParaRPr lang="zh-CN" altLang="en-US" sz="2000" dirty="0"/>
               </a:p>
             </c:rich>
           </c:tx>
@@ -5862,8 +5904,8 @@
             <c:manualLayout>
               <c:xMode val="edge"/>
               <c:yMode val="edge"/>
-              <c:x val="0.0232196065340515"/>
-              <c:y val="0.0334629584734273"/>
+              <c:x val="0.021000761046531"/>
+              <c:y val="0.00987861111723325"/>
             </c:manualLayout>
           </c:layout>
           <c:overlay val="0"/>
@@ -5905,7 +5947,7 @@
             </a:pPr>
           </a:p>
         </c:txPr>
-        <c:crossAx val="1083091312"/>
+        <c:crossAx val="250067856"/>
         <c:crosses val="autoZero"/>
         <c:crossBetween val="between"/>
       </c:valAx>
@@ -24566,7 +24608,7 @@
           <a:graphicData uri="http://schemas.openxmlformats.org/presentationml/2006/ole">
             <mc:AlternateContent xmlns:mc="http://schemas.openxmlformats.org/markup-compatibility/2006">
               <mc:Choice xmlns:v="urn:schemas-microsoft-com:vml" Requires="v">
-                <p:oleObj spid="_x0000_s1175" name="" r:id="rId1" imgW="6502400" imgH="3657600" progId="Package">
+                <p:oleObj spid="_x0000_s1176" name="" r:id="rId1" imgW="6502400" imgH="3657600" progId="Package">
                   <p:embed/>
                 </p:oleObj>
               </mc:Choice>
@@ -26132,7 +26174,7 @@
           <p:nvPr/>
         </p:nvGraphicFramePr>
         <p:xfrm>
-          <a:off x="3662045" y="1009015"/>
+          <a:off x="3713480" y="1026584"/>
           <a:ext cx="8092440" cy="5436870"/>
         </p:xfrm>
         <a:graphic>
@@ -26464,8 +26506,8 @@
         </p:nvSpPr>
         <p:spPr>
           <a:xfrm>
-            <a:off x="259080" y="1852930"/>
-            <a:ext cx="3454400" cy="4090035"/>
+            <a:off x="0" y="1620550"/>
+            <a:ext cx="3662045" cy="4561249"/>
           </a:xfrm>
           <a:prstGeom prst="rect">
             <a:avLst/>
@@ -26576,7 +26618,7 @@
               <a:buNone/>
             </a:pPr>
             <a:r>
-              <a:rPr lang="zh-CN" altLang="en-US" sz="2000" i="1" dirty="0">
+              <a:rPr lang="zh-CN" altLang="en-US" i="1" dirty="0">
                 <a:solidFill>
                   <a:schemeClr val="tx1">
                     <a:lumMod val="65000"/>
@@ -26588,7 +26630,7 @@
               <a:t>总数</a:t>
             </a:r>
             <a:r>
-              <a:rPr lang="en-US" altLang="zh-CN" sz="2000" i="1" dirty="0">
+              <a:rPr lang="en-US" altLang="zh-CN" i="1" dirty="0">
                 <a:solidFill>
                   <a:schemeClr val="tx1">
                     <a:lumMod val="65000"/>
@@ -26600,7 +26642,7 @@
               <a:t>9900</a:t>
             </a:r>
             <a:r>
-              <a:rPr lang="zh-CN" altLang="en-US" sz="2000" i="1" dirty="0">
+              <a:rPr lang="zh-CN" altLang="en-US" i="1" dirty="0">
                 <a:solidFill>
                   <a:schemeClr val="tx1">
                     <a:lumMod val="65000"/>
@@ -26612,7 +26654,7 @@
               <a:t>亿</a:t>
             </a:r>
             <a:r>
-              <a:rPr lang="en-US" altLang="zh-CN" sz="2000" i="1" dirty="0">
+              <a:rPr lang="en-US" altLang="zh-CN" i="1" dirty="0">
                 <a:solidFill>
                   <a:schemeClr val="tx1">
                     <a:lumMod val="65000"/>
@@ -26624,7 +26666,7 @@
               <a:t>,</a:t>
             </a:r>
             <a:r>
-              <a:rPr lang="zh-CN" altLang="en-US" sz="2000" i="1" dirty="0">
+              <a:rPr lang="zh-CN" altLang="en-US" i="1" dirty="0">
                 <a:solidFill>
                   <a:schemeClr val="tx1">
                     <a:lumMod val="65000"/>
@@ -26636,7 +26678,7 @@
               <a:t>逐月释放</a:t>
             </a:r>
             <a:r>
-              <a:rPr lang="en-US" altLang="zh-CN" sz="2000" i="1" dirty="0">
+              <a:rPr lang="en-US" altLang="zh-CN" i="1" dirty="0">
                 <a:solidFill>
                   <a:schemeClr val="tx1">
                     <a:lumMod val="65000"/>
@@ -26647,7 +26689,7 @@
               </a:rPr>
               <a:t>, </a:t>
             </a:r>
-            <a:endParaRPr lang="en-US" altLang="zh-CN" sz="2000" i="1" dirty="0">
+            <a:endParaRPr lang="en-US" altLang="zh-CN" i="1" dirty="0">
               <a:solidFill>
                 <a:schemeClr val="tx1">
                   <a:lumMod val="65000"/>
@@ -26662,7 +26704,7 @@
               <a:buNone/>
             </a:pPr>
             <a:r>
-              <a:rPr lang="zh-CN" altLang="en-US" sz="2000" i="1" dirty="0">
+              <a:rPr lang="zh-CN" altLang="en-US" i="1" dirty="0">
                 <a:solidFill>
                   <a:schemeClr val="tx1">
                     <a:lumMod val="65000"/>
@@ -26674,7 +26716,7 @@
               <a:t>到</a:t>
             </a:r>
             <a:r>
-              <a:rPr lang="en-US" altLang="zh-CN" sz="2000" i="1" dirty="0">
+              <a:rPr lang="en-US" altLang="zh-CN" i="1" dirty="0">
                 <a:solidFill>
                   <a:schemeClr val="tx1">
                     <a:lumMod val="65000"/>
@@ -26686,7 +26728,7 @@
               <a:t>2022</a:t>
             </a:r>
             <a:r>
-              <a:rPr lang="zh-CN" altLang="en-US" sz="2000" i="1" dirty="0">
+              <a:rPr lang="zh-CN" altLang="en-US" i="1" dirty="0">
                 <a:solidFill>
                   <a:schemeClr val="tx1">
                     <a:lumMod val="65000"/>
@@ -26698,7 +26740,7 @@
               <a:t>年末释放量达</a:t>
             </a:r>
             <a:r>
-              <a:rPr lang="en-US" altLang="zh-CN" sz="2000" i="1" dirty="0">
+              <a:rPr lang="en-US" altLang="zh-CN" i="1" dirty="0">
                 <a:solidFill>
                   <a:schemeClr val="tx1">
                     <a:lumMod val="65000"/>
@@ -26710,7 +26752,7 @@
               <a:t>95%</a:t>
             </a:r>
             <a:r>
-              <a:rPr lang="zh-CN" altLang="en-US" sz="2000" i="1" dirty="0">
+              <a:rPr lang="zh-CN" altLang="en-US" i="1" dirty="0" smtClean="0">
                 <a:solidFill>
                   <a:schemeClr val="tx1">
                     <a:lumMod val="65000"/>
@@ -26721,7 +26763,31 @@
               </a:rPr>
               <a:t>以上</a:t>
             </a:r>
-            <a:endParaRPr lang="zh-CN" altLang="en-US" sz="2000" i="1" dirty="0">
+            <a:r>
+              <a:rPr lang="en-US" altLang="zh-CN" i="1" dirty="0" smtClean="0">
+                <a:solidFill>
+                  <a:schemeClr val="tx1">
+                    <a:lumMod val="65000"/>
+                    <a:lumOff val="35000"/>
+                  </a:schemeClr>
+                </a:solidFill>
+                <a:latin typeface="+mn-ea"/>
+              </a:rPr>
+              <a:t>,2028</a:t>
+            </a:r>
+            <a:r>
+              <a:rPr lang="zh-CN" altLang="en-US" i="1" dirty="0">
+                <a:solidFill>
+                  <a:schemeClr val="tx1">
+                    <a:lumMod val="65000"/>
+                    <a:lumOff val="35000"/>
+                  </a:schemeClr>
+                </a:solidFill>
+                <a:latin typeface="+mn-ea"/>
+              </a:rPr>
+              <a:t>年全部释放</a:t>
+            </a:r>
+            <a:endParaRPr lang="zh-CN" altLang="en-US" i="1" dirty="0">
               <a:solidFill>
                 <a:schemeClr val="tx1">
                   <a:lumMod val="65000"/>
@@ -26735,31 +26801,7 @@
             <a:pPr marL="0" indent="0">
               <a:buNone/>
             </a:pPr>
-            <a:r>
-              <a:rPr lang="en-US" altLang="zh-CN" sz="2000" i="1" dirty="0">
-                <a:solidFill>
-                  <a:schemeClr val="tx1">
-                    <a:lumMod val="65000"/>
-                    <a:lumOff val="35000"/>
-                  </a:schemeClr>
-                </a:solidFill>
-                <a:latin typeface="+mn-ea"/>
-              </a:rPr>
-              <a:t>2028</a:t>
-            </a:r>
-            <a:r>
-              <a:rPr lang="zh-CN" altLang="en-US" sz="2000" i="1" dirty="0">
-                <a:solidFill>
-                  <a:schemeClr val="tx1">
-                    <a:lumMod val="65000"/>
-                    <a:lumOff val="35000"/>
-                  </a:schemeClr>
-                </a:solidFill>
-                <a:latin typeface="+mn-ea"/>
-              </a:rPr>
-              <a:t>年全部释放</a:t>
-            </a:r>
-            <a:endParaRPr lang="zh-CN" altLang="en-US" sz="2000" i="1" dirty="0">
+            <a:endParaRPr lang="en-US" altLang="zh-CN" sz="1800" i="1" dirty="0">
               <a:solidFill>
                 <a:schemeClr val="tx1">
                   <a:lumMod val="65000"/>
@@ -26770,23 +26812,9 @@
             </a:endParaRPr>
           </a:p>
           <a:p>
-            <a:pPr marL="0" indent="0">
-              <a:buNone/>
-            </a:pPr>
-            <a:endParaRPr lang="en-US" altLang="zh-CN" sz="1600" i="1" dirty="0">
-              <a:solidFill>
-                <a:schemeClr val="tx1">
-                  <a:lumMod val="65000"/>
-                  <a:lumOff val="35000"/>
-                </a:schemeClr>
-              </a:solidFill>
-              <a:latin typeface="+mn-ea"/>
-            </a:endParaRPr>
-          </a:p>
-          <a:p>
             <a:pPr lvl="1"/>
             <a:r>
-              <a:rPr lang="zh-CN" altLang="en-US" sz="1800" i="1" dirty="0">
+              <a:rPr lang="zh-CN" altLang="en-US" sz="2000" i="1" dirty="0">
                 <a:solidFill>
                   <a:srgbClr val="0070C0"/>
                 </a:solidFill>
@@ -26796,7 +26824,7 @@
               <a:t>基金会 </a:t>
             </a:r>
             <a:r>
-              <a:rPr lang="en-US" altLang="zh-CN" sz="1800" i="1" dirty="0">
+              <a:rPr lang="en-US" altLang="zh-CN" sz="2000" i="1" dirty="0">
                 <a:solidFill>
                   <a:srgbClr val="0070C0"/>
                 </a:solidFill>
@@ -26806,7 +26834,7 @@
               <a:t>&amp; </a:t>
             </a:r>
             <a:r>
-              <a:rPr lang="zh-CN" altLang="en-US" sz="1800" i="1" dirty="0">
+              <a:rPr lang="zh-CN" altLang="en-US" sz="2000" i="1" dirty="0">
                 <a:solidFill>
                   <a:srgbClr val="0070C0"/>
                 </a:solidFill>
@@ -26816,7 +26844,7 @@
               <a:t>项目方</a:t>
             </a:r>
             <a:r>
-              <a:rPr lang="en-US" altLang="zh-CN" sz="1800" i="1" dirty="0">
+              <a:rPr lang="en-US" altLang="zh-CN" sz="2000" i="1" dirty="0">
                 <a:solidFill>
                   <a:srgbClr val="0070C0"/>
                 </a:solidFill>
@@ -26825,7 +26853,7 @@
               </a:rPr>
               <a:t>: 63%</a:t>
             </a:r>
-            <a:endParaRPr lang="zh-CN" altLang="en-US" sz="1800" i="1" dirty="0">
+            <a:endParaRPr lang="zh-CN" altLang="en-US" sz="2000" i="1" dirty="0">
               <a:solidFill>
                 <a:srgbClr val="0070C0"/>
               </a:solidFill>
@@ -26835,7 +26863,7 @@
           </a:p>
           <a:p>
             <a:pPr lvl="1"/>
-            <a:endParaRPr lang="zh-CN" altLang="en-US" sz="1800" i="1" dirty="0">
+            <a:endParaRPr lang="zh-CN" altLang="en-US" sz="2000" i="1" dirty="0">
               <a:solidFill>
                 <a:schemeClr val="accent4">
                   <a:lumMod val="75000"/>
@@ -26846,7 +26874,7 @@
           </a:p>
           <a:p>
             <a:pPr lvl="1"/>
-            <a:endParaRPr lang="zh-CN" altLang="en-US" sz="1800" i="1" dirty="0">
+            <a:endParaRPr lang="zh-CN" altLang="en-US" sz="2000" i="1" dirty="0">
               <a:solidFill>
                 <a:schemeClr val="accent4">
                   <a:lumMod val="75000"/>
@@ -26858,7 +26886,7 @@
           <a:p>
             <a:pPr lvl="1"/>
             <a:r>
-              <a:rPr lang="zh-CN" altLang="en-US" sz="1800" i="1" dirty="0">
+              <a:rPr lang="zh-CN" altLang="en-US" sz="2000" i="1" dirty="0">
                 <a:solidFill>
                   <a:schemeClr val="accent2"/>
                 </a:solidFill>
@@ -26867,7 +26895,7 @@
               <a:t>私募</a:t>
             </a:r>
             <a:r>
-              <a:rPr lang="en-US" altLang="zh-CN" sz="1800" i="1" dirty="0">
+              <a:rPr lang="en-US" altLang="zh-CN" sz="2000" i="1" dirty="0">
                 <a:solidFill>
                   <a:schemeClr val="accent2"/>
                 </a:solidFill>
@@ -26876,7 +26904,7 @@
               <a:t>,</a:t>
             </a:r>
             <a:r>
-              <a:rPr lang="zh-CN" altLang="en-US" sz="1800" i="1" dirty="0">
+              <a:rPr lang="zh-CN" altLang="en-US" sz="2000" i="1" dirty="0">
                 <a:solidFill>
                   <a:schemeClr val="accent2"/>
                 </a:solidFill>
@@ -26885,7 +26913,7 @@
               <a:t>公募</a:t>
             </a:r>
             <a:r>
-              <a:rPr lang="en-US" altLang="zh-CN" sz="1800" i="1" dirty="0">
+              <a:rPr lang="en-US" altLang="zh-CN" sz="2000" i="1" dirty="0">
                 <a:solidFill>
                   <a:schemeClr val="accent2"/>
                 </a:solidFill>
@@ -26894,7 +26922,7 @@
               <a:t>,</a:t>
             </a:r>
             <a:r>
-              <a:rPr lang="zh-CN" altLang="en-US" sz="1800" i="1" dirty="0">
+              <a:rPr lang="zh-CN" altLang="en-US" sz="2000" i="1" dirty="0">
                 <a:solidFill>
                   <a:schemeClr val="accent2"/>
                 </a:solidFill>
@@ -26903,7 +26931,7 @@
               <a:t>众筹</a:t>
             </a:r>
             <a:r>
-              <a:rPr lang="en-US" altLang="zh-CN" sz="1800" i="1" dirty="0">
+              <a:rPr lang="en-US" altLang="zh-CN" sz="2000" i="1" dirty="0">
                 <a:solidFill>
                   <a:schemeClr val="accent2"/>
                 </a:solidFill>
@@ -26911,7 +26939,7 @@
               </a:rPr>
               <a:t>:  17%</a:t>
             </a:r>
-            <a:endParaRPr lang="en-US" altLang="zh-CN" sz="1800" i="1" dirty="0">
+            <a:endParaRPr lang="en-US" altLang="zh-CN" sz="2000" i="1" dirty="0">
               <a:solidFill>
                 <a:schemeClr val="accent2"/>
               </a:solidFill>
@@ -26920,7 +26948,7 @@
           </a:p>
           <a:p>
             <a:pPr lvl="1"/>
-            <a:endParaRPr lang="en-US" altLang="zh-CN" sz="1800" i="1" dirty="0">
+            <a:endParaRPr lang="en-US" altLang="zh-CN" sz="2000" i="1" dirty="0">
               <a:solidFill>
                 <a:schemeClr val="accent4">
                   <a:lumMod val="75000"/>
@@ -26931,7 +26959,7 @@
           </a:p>
           <a:p>
             <a:pPr lvl="1"/>
-            <a:endParaRPr lang="en-US" altLang="zh-CN" sz="1800" i="1" dirty="0">
+            <a:endParaRPr lang="en-US" altLang="zh-CN" sz="2000" i="1" dirty="0">
               <a:solidFill>
                 <a:schemeClr val="accent4">
                   <a:lumMod val="75000"/>
@@ -26943,7 +26971,7 @@
           <a:p>
             <a:pPr lvl="1"/>
             <a:r>
-              <a:rPr lang="zh-CN" altLang="en-US" sz="1800" i="1" dirty="0">
+              <a:rPr lang="zh-CN" altLang="en-US" sz="2000" i="1" dirty="0">
                 <a:solidFill>
                   <a:schemeClr val="accent6"/>
                 </a:solidFill>
@@ -26953,7 +26981,7 @@
               <a:t>空投</a:t>
             </a:r>
             <a:r>
-              <a:rPr lang="en-US" altLang="zh-CN" sz="1800" i="1" dirty="0">
+              <a:rPr lang="en-US" altLang="zh-CN" sz="2000" i="1" dirty="0">
                 <a:solidFill>
                   <a:schemeClr val="accent6"/>
                 </a:solidFill>
@@ -26963,7 +26991,7 @@
               <a:t>:</a:t>
             </a:r>
             <a:r>
-              <a:rPr lang="zh-CN" altLang="en-US" sz="1800" i="1" dirty="0">
+              <a:rPr lang="zh-CN" altLang="en-US" sz="2000" i="1" dirty="0">
                 <a:solidFill>
                   <a:schemeClr val="accent6"/>
                 </a:solidFill>
@@ -26973,7 +27001,7 @@
               <a:t>  </a:t>
             </a:r>
             <a:r>
-              <a:rPr lang="en-US" altLang="zh-CN" sz="1800" i="1" dirty="0">
+              <a:rPr lang="en-US" altLang="zh-CN" sz="2000" i="1" dirty="0">
                 <a:solidFill>
                   <a:schemeClr val="accent6"/>
                 </a:solidFill>
@@ -26982,7 +27010,7 @@
               </a:rPr>
               <a:t>20%</a:t>
             </a:r>
-            <a:endParaRPr lang="zh-CN" altLang="en-US" sz="1800" i="1" dirty="0">
+            <a:endParaRPr lang="zh-CN" altLang="en-US" sz="2000" i="1" dirty="0">
               <a:solidFill>
                 <a:srgbClr val="0070C0"/>
               </a:solidFill>
@@ -26991,7 +27019,7 @@
           </a:p>
           <a:p>
             <a:pPr lvl="1"/>
-            <a:endParaRPr lang="en-US" altLang="zh-CN" sz="1800" i="1" dirty="0">
+            <a:endParaRPr lang="en-US" altLang="zh-CN" sz="2000" i="1" dirty="0">
               <a:solidFill>
                 <a:schemeClr val="accent5"/>
               </a:solidFill>
@@ -27020,6 +27048,7 @@
           <a:bodyPr wrap="none" rtlCol="0">
             <a:spAutoFit/>
           </a:bodyPr>
+          <a:lstStyle/>
           <a:p>
             <a:r>
               <a:rPr lang="zh-CN" altLang="en-US"/>
@@ -27049,6 +27078,7 @@
           <a:bodyPr wrap="none" rtlCol="0">
             <a:spAutoFit/>
           </a:bodyPr>
+          <a:lstStyle/>
           <a:p>
             <a:r>
               <a:rPr lang="zh-CN" altLang="en-US"/>
@@ -28953,7 +28983,7 @@
           <a:graphicData uri="http://schemas.openxmlformats.org/presentationml/2006/ole">
             <mc:AlternateContent xmlns:mc="http://schemas.openxmlformats.org/markup-compatibility/2006">
               <mc:Choice xmlns:v="urn:schemas-microsoft-com:vml" Requires="v">
-                <p:oleObj spid="_x0000_s6233" name="" r:id="rId1" imgW="6502400" imgH="3657600" progId="Package">
+                <p:oleObj spid="_x0000_s6234" name="" r:id="rId1" imgW="6502400" imgH="3657600" progId="Package">
                   <p:embed/>
                 </p:oleObj>
               </mc:Choice>
@@ -33330,6 +33360,7 @@
           <a:bodyPr wrap="none" rtlCol="0">
             <a:spAutoFit/>
           </a:bodyPr>
+          <a:lstStyle/>
           <a:p>
             <a:r>
               <a:rPr lang="en-US"/>
@@ -33359,6 +33390,7 @@
           <a:bodyPr wrap="none" rtlCol="0">
             <a:spAutoFit/>
           </a:bodyPr>
+          <a:lstStyle/>
           <a:p>
             <a:r>
               <a:rPr lang="en-US"/>
